--- a/Background.pptx
+++ b/Background.pptx
@@ -6,6 +6,7 @@
   </p:sldMasterIdLst>
   <p:sldIdLst>
     <p:sldId id="256" r:id="rId2"/>
+    <p:sldId id="257" r:id="rId3"/>
   </p:sldIdLst>
   <p:sldSz cx="12192000" cy="6858000"/>
   <p:notesSz cx="6858000" cy="9144000"/>
@@ -3551,6 +3552,266 @@
 </p:sld>
 </file>
 
+<file path=ppt/slides/slide2.xml><?xml version="1.0" encoding="utf-8"?>
+<p:sld xmlns:a="http://schemas.openxmlformats.org/drawingml/2006/main" xmlns:r="http://schemas.openxmlformats.org/officeDocument/2006/relationships" xmlns:p="http://schemas.openxmlformats.org/presentationml/2006/main">
+  <p:cSld>
+    <p:bg>
+      <p:bgPr>
+        <a:solidFill>
+          <a:srgbClr val="F8F8F8"/>
+        </a:solidFill>
+        <a:effectLst/>
+      </p:bgPr>
+    </p:bg>
+    <p:spTree>
+      <p:nvGrpSpPr>
+        <p:cNvPr id="1" name=""/>
+        <p:cNvGrpSpPr/>
+        <p:nvPr/>
+      </p:nvGrpSpPr>
+      <p:grpSpPr>
+        <a:xfrm>
+          <a:off x="0" y="0"/>
+          <a:ext cx="0" cy="0"/>
+          <a:chOff x="0" y="0"/>
+          <a:chExt cx="0" cy="0"/>
+        </a:xfrm>
+      </p:grpSpPr>
+      <p:pic>
+        <p:nvPicPr>
+          <p:cNvPr id="7" name="Picture 6" descr="A pencil sharpener with a pencil shavings&#10;&#10;Description automatically generated">
+            <a:extLst>
+              <a:ext uri="{FF2B5EF4-FFF2-40B4-BE49-F238E27FC236}">
+                <a16:creationId xmlns:a16="http://schemas.microsoft.com/office/drawing/2014/main" id="{4184A3D4-0312-DFAC-C130-A8381C9377D1}"/>
+              </a:ext>
+            </a:extLst>
+          </p:cNvPr>
+          <p:cNvPicPr>
+            <a:picLocks noChangeAspect="1"/>
+          </p:cNvPicPr>
+          <p:nvPr/>
+        </p:nvPicPr>
+        <p:blipFill>
+          <a:blip r:embed="rId2">
+            <a:extLst>
+              <a:ext uri="{28A0092B-C50C-407E-A947-70E740481C1C}">
+                <a14:useLocalDpi xmlns:a14="http://schemas.microsoft.com/office/drawing/2010/main" val="0"/>
+              </a:ext>
+            </a:extLst>
+          </a:blip>
+          <a:stretch>
+            <a:fillRect/>
+          </a:stretch>
+        </p:blipFill>
+        <p:spPr>
+          <a:xfrm>
+            <a:off x="1856809" y="0"/>
+            <a:ext cx="8478381" cy="4239190"/>
+          </a:xfrm>
+          <a:prstGeom prst="rect">
+            <a:avLst/>
+          </a:prstGeom>
+        </p:spPr>
+      </p:pic>
+      <p:sp>
+        <p:nvSpPr>
+          <p:cNvPr id="8" name="Rectangle 7">
+            <a:extLst>
+              <a:ext uri="{FF2B5EF4-FFF2-40B4-BE49-F238E27FC236}">
+                <a16:creationId xmlns:a16="http://schemas.microsoft.com/office/drawing/2014/main" id="{0665D0F1-B517-DF8A-07D9-D46FD3510B60}"/>
+              </a:ext>
+            </a:extLst>
+          </p:cNvPr>
+          <p:cNvSpPr/>
+          <p:nvPr/>
+        </p:nvSpPr>
+        <p:spPr>
+          <a:xfrm>
+            <a:off x="1106555" y="3607240"/>
+            <a:ext cx="9978887" cy="2800767"/>
+          </a:xfrm>
+          <a:prstGeom prst="rect">
+            <a:avLst/>
+          </a:prstGeom>
+          <a:noFill/>
+        </p:spPr>
+        <p:txBody>
+          <a:bodyPr wrap="square" lIns="91440" tIns="45720" rIns="91440" bIns="45720">
+            <a:spAutoFit/>
+          </a:bodyPr>
+          <a:lstStyle/>
+          <a:p>
+            <a:pPr algn="ctr"/>
+            <a:r>
+              <a:rPr lang="en-US" sz="8800" b="1" dirty="0">
+                <a:ln w="12700" cmpd="sng">
+                  <a:solidFill>
+                    <a:schemeClr val="accent4"/>
+                  </a:solidFill>
+                  <a:prstDash val="solid"/>
+                </a:ln>
+                <a:gradFill>
+                  <a:gsLst>
+                    <a:gs pos="0">
+                      <a:schemeClr val="accent4"/>
+                    </a:gs>
+                    <a:gs pos="4000">
+                      <a:schemeClr val="accent4">
+                        <a:lumMod val="60000"/>
+                        <a:lumOff val="40000"/>
+                      </a:schemeClr>
+                    </a:gs>
+                    <a:gs pos="87000">
+                      <a:schemeClr val="accent4">
+                        <a:lumMod val="20000"/>
+                        <a:lumOff val="80000"/>
+                      </a:schemeClr>
+                    </a:gs>
+                  </a:gsLst>
+                  <a:lin ang="5400000"/>
+                </a:gradFill>
+              </a:rPr>
+              <a:t>Updating the </a:t>
+            </a:r>
+            <a:r>
+              <a:rPr lang="en-US" sz="8800" b="1" dirty="0" err="1">
+                <a:ln w="12700" cmpd="sng">
+                  <a:solidFill>
+                    <a:schemeClr val="accent4"/>
+                  </a:solidFill>
+                  <a:prstDash val="solid"/>
+                </a:ln>
+                <a:gradFill>
+                  <a:gsLst>
+                    <a:gs pos="0">
+                      <a:schemeClr val="accent4"/>
+                    </a:gs>
+                    <a:gs pos="4000">
+                      <a:schemeClr val="accent4">
+                        <a:lumMod val="60000"/>
+                        <a:lumOff val="40000"/>
+                      </a:schemeClr>
+                    </a:gs>
+                    <a:gs pos="87000">
+                      <a:schemeClr val="accent4">
+                        <a:lumMod val="20000"/>
+                        <a:lumOff val="80000"/>
+                      </a:schemeClr>
+                    </a:gs>
+                  </a:gsLst>
+                  <a:lin ang="5400000"/>
+                </a:gradFill>
+              </a:rPr>
+              <a:t>skia</a:t>
+            </a:r>
+            <a:r>
+              <a:rPr lang="en-US" sz="8800" b="1" dirty="0">
+                <a:ln w="12700" cmpd="sng">
+                  <a:solidFill>
+                    <a:schemeClr val="accent4"/>
+                  </a:solidFill>
+                  <a:prstDash val="solid"/>
+                </a:ln>
+                <a:gradFill>
+                  <a:gsLst>
+                    <a:gs pos="0">
+                      <a:schemeClr val="accent4"/>
+                    </a:gs>
+                    <a:gs pos="4000">
+                      <a:schemeClr val="accent4">
+                        <a:lumMod val="60000"/>
+                        <a:lumOff val="40000"/>
+                      </a:schemeClr>
+                    </a:gs>
+                    <a:gs pos="87000">
+                      <a:schemeClr val="accent4">
+                        <a:lumMod val="20000"/>
+                        <a:lumOff val="80000"/>
+                      </a:schemeClr>
+                    </a:gs>
+                  </a:gsLst>
+                  <a:lin ang="5400000"/>
+                </a:gradFill>
+              </a:rPr>
+              <a:t> in </a:t>
+            </a:r>
+            <a:r>
+              <a:rPr lang="en-US" sz="8800" b="1" dirty="0" err="1">
+                <a:ln w="12700" cmpd="sng">
+                  <a:solidFill>
+                    <a:schemeClr val="accent4"/>
+                  </a:solidFill>
+                  <a:prstDash val="solid"/>
+                </a:ln>
+                <a:gradFill>
+                  <a:gsLst>
+                    <a:gs pos="0">
+                      <a:schemeClr val="accent4"/>
+                    </a:gs>
+                    <a:gs pos="4000">
+                      <a:schemeClr val="accent4">
+                        <a:lumMod val="60000"/>
+                        <a:lumOff val="40000"/>
+                      </a:schemeClr>
+                    </a:gs>
+                    <a:gs pos="87000">
+                      <a:schemeClr val="accent4">
+                        <a:lumMod val="20000"/>
+                        <a:lumOff val="80000"/>
+                      </a:schemeClr>
+                    </a:gs>
+                  </a:gsLst>
+                  <a:lin ang="5400000"/>
+                </a:gradFill>
+              </a:rPr>
+              <a:t>SkiaSharp</a:t>
+            </a:r>
+            <a:endParaRPr lang="en-US" sz="8800" b="1" dirty="0">
+              <a:ln w="12700" cmpd="sng">
+                <a:solidFill>
+                  <a:schemeClr val="accent4"/>
+                </a:solidFill>
+                <a:prstDash val="solid"/>
+              </a:ln>
+              <a:gradFill>
+                <a:gsLst>
+                  <a:gs pos="0">
+                    <a:schemeClr val="accent4"/>
+                  </a:gs>
+                  <a:gs pos="4000">
+                    <a:schemeClr val="accent4">
+                      <a:lumMod val="60000"/>
+                      <a:lumOff val="40000"/>
+                    </a:schemeClr>
+                  </a:gs>
+                  <a:gs pos="87000">
+                    <a:schemeClr val="accent4">
+                      <a:lumMod val="20000"/>
+                      <a:lumOff val="80000"/>
+                    </a:schemeClr>
+                  </a:gs>
+                </a:gsLst>
+                <a:lin ang="5400000"/>
+              </a:gradFill>
+              <a:latin typeface="Cascadia Code SemiBold" panose="020B0609020000020004" pitchFamily="49" charset="0"/>
+              <a:cs typeface="Cascadia Code SemiBold" panose="020B0609020000020004" pitchFamily="49" charset="0"/>
+            </a:endParaRPr>
+          </a:p>
+        </p:txBody>
+      </p:sp>
+    </p:spTree>
+    <p:extLst>
+      <p:ext uri="{BB962C8B-B14F-4D97-AF65-F5344CB8AC3E}">
+        <p14:creationId xmlns:p14="http://schemas.microsoft.com/office/powerpoint/2010/main" val="119125918"/>
+      </p:ext>
+    </p:extLst>
+  </p:cSld>
+  <p:clrMapOvr>
+    <a:masterClrMapping/>
+  </p:clrMapOvr>
+</p:sld>
+</file>
+
 <file path=ppt/theme/theme1.xml><?xml version="1.0" encoding="utf-8"?>
 <a:theme xmlns:a="http://schemas.openxmlformats.org/drawingml/2006/main" name="Office Theme">
   <a:themeElements>

--- a/Background.pptx
+++ b/Background.pptx
@@ -2,19 +2,18 @@
 <file path=ppt/presentation.xml><?xml version="1.0" encoding="utf-8"?>
 <p:presentation xmlns:a="http://schemas.openxmlformats.org/drawingml/2006/main" xmlns:r="http://schemas.openxmlformats.org/officeDocument/2006/relationships" xmlns:p="http://schemas.openxmlformats.org/presentationml/2006/main" saveSubsetFonts="1">
   <p:sldMasterIdLst>
-    <p:sldMasterId id="2147483648" r:id="rId1"/>
+    <p:sldMasterId id="2147483660" r:id="rId1"/>
   </p:sldMasterIdLst>
   <p:sldIdLst>
     <p:sldId id="256" r:id="rId2"/>
-    <p:sldId id="257" r:id="rId3"/>
   </p:sldIdLst>
-  <p:sldSz cx="12192000" cy="6858000"/>
+  <p:sldSz cx="24384000" cy="13716000"/>
   <p:notesSz cx="6858000" cy="9144000"/>
   <p:defaultTextStyle>
     <a:defPPr>
       <a:defRPr lang="en-US"/>
     </a:defPPr>
-    <a:lvl1pPr marL="0" algn="l" defTabSz="914400" rtl="0" eaLnBrk="1" latinLnBrk="0" hangingPunct="1">
+    <a:lvl1pPr marL="0" algn="l" defTabSz="457200" rtl="0" eaLnBrk="1" latinLnBrk="0" hangingPunct="1">
       <a:defRPr sz="1800" kern="1200">
         <a:solidFill>
           <a:schemeClr val="tx1"/>
@@ -24,7 +23,7 @@
         <a:cs typeface="+mn-cs"/>
       </a:defRPr>
     </a:lvl1pPr>
-    <a:lvl2pPr marL="457200" algn="l" defTabSz="914400" rtl="0" eaLnBrk="1" latinLnBrk="0" hangingPunct="1">
+    <a:lvl2pPr marL="457200" algn="l" defTabSz="457200" rtl="0" eaLnBrk="1" latinLnBrk="0" hangingPunct="1">
       <a:defRPr sz="1800" kern="1200">
         <a:solidFill>
           <a:schemeClr val="tx1"/>
@@ -34,7 +33,7 @@
         <a:cs typeface="+mn-cs"/>
       </a:defRPr>
     </a:lvl2pPr>
-    <a:lvl3pPr marL="914400" algn="l" defTabSz="914400" rtl="0" eaLnBrk="1" latinLnBrk="0" hangingPunct="1">
+    <a:lvl3pPr marL="914400" algn="l" defTabSz="457200" rtl="0" eaLnBrk="1" latinLnBrk="0" hangingPunct="1">
       <a:defRPr sz="1800" kern="1200">
         <a:solidFill>
           <a:schemeClr val="tx1"/>
@@ -44,7 +43,7 @@
         <a:cs typeface="+mn-cs"/>
       </a:defRPr>
     </a:lvl3pPr>
-    <a:lvl4pPr marL="1371600" algn="l" defTabSz="914400" rtl="0" eaLnBrk="1" latinLnBrk="0" hangingPunct="1">
+    <a:lvl4pPr marL="1371600" algn="l" defTabSz="457200" rtl="0" eaLnBrk="1" latinLnBrk="0" hangingPunct="1">
       <a:defRPr sz="1800" kern="1200">
         <a:solidFill>
           <a:schemeClr val="tx1"/>
@@ -54,7 +53,7 @@
         <a:cs typeface="+mn-cs"/>
       </a:defRPr>
     </a:lvl4pPr>
-    <a:lvl5pPr marL="1828800" algn="l" defTabSz="914400" rtl="0" eaLnBrk="1" latinLnBrk="0" hangingPunct="1">
+    <a:lvl5pPr marL="1828800" algn="l" defTabSz="457200" rtl="0" eaLnBrk="1" latinLnBrk="0" hangingPunct="1">
       <a:defRPr sz="1800" kern="1200">
         <a:solidFill>
           <a:schemeClr val="tx1"/>
@@ -64,7 +63,7 @@
         <a:cs typeface="+mn-cs"/>
       </a:defRPr>
     </a:lvl5pPr>
-    <a:lvl6pPr marL="2286000" algn="l" defTabSz="914400" rtl="0" eaLnBrk="1" latinLnBrk="0" hangingPunct="1">
+    <a:lvl6pPr marL="2286000" algn="l" defTabSz="457200" rtl="0" eaLnBrk="1" latinLnBrk="0" hangingPunct="1">
       <a:defRPr sz="1800" kern="1200">
         <a:solidFill>
           <a:schemeClr val="tx1"/>
@@ -74,7 +73,7 @@
         <a:cs typeface="+mn-cs"/>
       </a:defRPr>
     </a:lvl6pPr>
-    <a:lvl7pPr marL="2743200" algn="l" defTabSz="914400" rtl="0" eaLnBrk="1" latinLnBrk="0" hangingPunct="1">
+    <a:lvl7pPr marL="2743200" algn="l" defTabSz="457200" rtl="0" eaLnBrk="1" latinLnBrk="0" hangingPunct="1">
       <a:defRPr sz="1800" kern="1200">
         <a:solidFill>
           <a:schemeClr val="tx1"/>
@@ -84,7 +83,7 @@
         <a:cs typeface="+mn-cs"/>
       </a:defRPr>
     </a:lvl7pPr>
-    <a:lvl8pPr marL="3200400" algn="l" defTabSz="914400" rtl="0" eaLnBrk="1" latinLnBrk="0" hangingPunct="1">
+    <a:lvl8pPr marL="3200400" algn="l" defTabSz="457200" rtl="0" eaLnBrk="1" latinLnBrk="0" hangingPunct="1">
       <a:defRPr sz="1800" kern="1200">
         <a:solidFill>
           <a:schemeClr val="tx1"/>
@@ -94,7 +93,7 @@
         <a:cs typeface="+mn-cs"/>
       </a:defRPr>
     </a:lvl8pPr>
-    <a:lvl9pPr marL="3657600" algn="l" defTabSz="914400" rtl="0" eaLnBrk="1" latinLnBrk="0" hangingPunct="1">
+    <a:lvl9pPr marL="3657600" algn="l" defTabSz="457200" rtl="0" eaLnBrk="1" latinLnBrk="0" hangingPunct="1">
       <a:defRPr sz="1800" kern="1200">
         <a:solidFill>
           <a:schemeClr val="tx1"/>
@@ -132,13 +131,7 @@
       </p:grpSpPr>
       <p:sp>
         <p:nvSpPr>
-          <p:cNvPr id="2" name="Title 1">
-            <a:extLst>
-              <a:ext uri="{FF2B5EF4-FFF2-40B4-BE49-F238E27FC236}">
-                <a16:creationId xmlns:a16="http://schemas.microsoft.com/office/drawing/2014/main" id="{74CC30CB-01C5-A1F0-1B1C-D022ED42CBF1}"/>
-              </a:ext>
-            </a:extLst>
-          </p:cNvPr>
+          <p:cNvPr id="2" name="Title 1"/>
           <p:cNvSpPr>
             <a:spLocks noGrp="1"/>
           </p:cNvSpPr>
@@ -148,15 +141,15 @@
         </p:nvSpPr>
         <p:spPr>
           <a:xfrm>
-            <a:off x="1524000" y="1122363"/>
-            <a:ext cx="9144000" cy="2387600"/>
+            <a:off x="3048000" y="2244726"/>
+            <a:ext cx="18288000" cy="4775200"/>
           </a:xfrm>
         </p:spPr>
         <p:txBody>
           <a:bodyPr anchor="b"/>
           <a:lstStyle>
             <a:lvl1pPr algn="ctr">
-              <a:defRPr sz="6000"/>
+              <a:defRPr sz="12000"/>
             </a:lvl1pPr>
           </a:lstStyle>
           <a:p>
@@ -164,18 +157,13 @@
               <a:rPr lang="en-US"/>
               <a:t>Click to edit Master title style</a:t>
             </a:r>
-          </a:p>
-        </p:txBody>
-      </p:sp>
-      <p:sp>
-        <p:nvSpPr>
-          <p:cNvPr id="3" name="Subtitle 2">
-            <a:extLst>
-              <a:ext uri="{FF2B5EF4-FFF2-40B4-BE49-F238E27FC236}">
-                <a16:creationId xmlns:a16="http://schemas.microsoft.com/office/drawing/2014/main" id="{B1D16B02-1E22-516F-3DDC-9D66C01E534A}"/>
-              </a:ext>
-            </a:extLst>
-          </p:cNvPr>
+            <a:endParaRPr lang="en-US" dirty="0"/>
+          </a:p>
+        </p:txBody>
+      </p:sp>
+      <p:sp>
+        <p:nvSpPr>
+          <p:cNvPr id="3" name="Subtitle 2"/>
           <p:cNvSpPr>
             <a:spLocks noGrp="1"/>
           </p:cNvSpPr>
@@ -185,8 +173,8 @@
         </p:nvSpPr>
         <p:spPr>
           <a:xfrm>
-            <a:off x="1524000" y="3602038"/>
-            <a:ext cx="9144000" cy="1655762"/>
+            <a:off x="3048000" y="7204076"/>
+            <a:ext cx="18288000" cy="3311524"/>
           </a:xfrm>
         </p:spPr>
         <p:txBody>
@@ -194,39 +182,39 @@
           <a:lstStyle>
             <a:lvl1pPr marL="0" indent="0" algn="ctr">
               <a:buNone/>
-              <a:defRPr sz="2400"/>
+              <a:defRPr sz="4800"/>
             </a:lvl1pPr>
-            <a:lvl2pPr marL="457200" indent="0" algn="ctr">
-              <a:buNone/>
-              <a:defRPr sz="2000"/>
+            <a:lvl2pPr marL="914400" indent="0" algn="ctr">
+              <a:buNone/>
+              <a:defRPr sz="4000"/>
             </a:lvl2pPr>
-            <a:lvl3pPr marL="914400" indent="0" algn="ctr">
-              <a:buNone/>
-              <a:defRPr sz="1800"/>
+            <a:lvl3pPr marL="1828800" indent="0" algn="ctr">
+              <a:buNone/>
+              <a:defRPr sz="3600"/>
             </a:lvl3pPr>
-            <a:lvl4pPr marL="1371600" indent="0" algn="ctr">
-              <a:buNone/>
-              <a:defRPr sz="1600"/>
+            <a:lvl4pPr marL="2743200" indent="0" algn="ctr">
+              <a:buNone/>
+              <a:defRPr sz="3200"/>
             </a:lvl4pPr>
-            <a:lvl5pPr marL="1828800" indent="0" algn="ctr">
-              <a:buNone/>
-              <a:defRPr sz="1600"/>
+            <a:lvl5pPr marL="3657600" indent="0" algn="ctr">
+              <a:buNone/>
+              <a:defRPr sz="3200"/>
             </a:lvl5pPr>
-            <a:lvl6pPr marL="2286000" indent="0" algn="ctr">
-              <a:buNone/>
-              <a:defRPr sz="1600"/>
+            <a:lvl6pPr marL="4572000" indent="0" algn="ctr">
+              <a:buNone/>
+              <a:defRPr sz="3200"/>
             </a:lvl6pPr>
-            <a:lvl7pPr marL="2743200" indent="0" algn="ctr">
-              <a:buNone/>
-              <a:defRPr sz="1600"/>
+            <a:lvl7pPr marL="5486400" indent="0" algn="ctr">
+              <a:buNone/>
+              <a:defRPr sz="3200"/>
             </a:lvl7pPr>
-            <a:lvl8pPr marL="3200400" indent="0" algn="ctr">
-              <a:buNone/>
-              <a:defRPr sz="1600"/>
+            <a:lvl8pPr marL="6400800" indent="0" algn="ctr">
+              <a:buNone/>
+              <a:defRPr sz="3200"/>
             </a:lvl8pPr>
-            <a:lvl9pPr marL="3657600" indent="0" algn="ctr">
-              <a:buNone/>
-              <a:defRPr sz="1600"/>
+            <a:lvl9pPr marL="7315200" indent="0" algn="ctr">
+              <a:buNone/>
+              <a:defRPr sz="3200"/>
             </a:lvl9pPr>
           </a:lstStyle>
           <a:p>
@@ -234,18 +222,13 @@
               <a:rPr lang="en-US"/>
               <a:t>Click to edit Master subtitle style</a:t>
             </a:r>
-          </a:p>
-        </p:txBody>
-      </p:sp>
-      <p:sp>
-        <p:nvSpPr>
-          <p:cNvPr id="4" name="Date Placeholder 3">
-            <a:extLst>
-              <a:ext uri="{FF2B5EF4-FFF2-40B4-BE49-F238E27FC236}">
-                <a16:creationId xmlns:a16="http://schemas.microsoft.com/office/drawing/2014/main" id="{768EC996-A1EA-5610-04CF-C7B1D71F5F10}"/>
-              </a:ext>
-            </a:extLst>
-          </p:cNvPr>
+            <a:endParaRPr lang="en-US" dirty="0"/>
+          </a:p>
+        </p:txBody>
+      </p:sp>
+      <p:sp>
+        <p:nvSpPr>
+          <p:cNvPr id="4" name="Date Placeholder 3"/>
           <p:cNvSpPr>
             <a:spLocks noGrp="1"/>
           </p:cNvSpPr>
@@ -260,7 +243,7 @@
           <a:p>
             <a:fld id="{9530F64E-2E5C-40CF-BD53-5D4EDAB3DC33}" type="datetimeFigureOut">
               <a:rPr lang="en-US" smtClean="0"/>
-              <a:t>10/29/2024</a:t>
+              <a:t>10/30/2024</a:t>
             </a:fld>
             <a:endParaRPr lang="en-US"/>
           </a:p>
@@ -268,13 +251,7 @@
       </p:sp>
       <p:sp>
         <p:nvSpPr>
-          <p:cNvPr id="5" name="Footer Placeholder 4">
-            <a:extLst>
-              <a:ext uri="{FF2B5EF4-FFF2-40B4-BE49-F238E27FC236}">
-                <a16:creationId xmlns:a16="http://schemas.microsoft.com/office/drawing/2014/main" id="{4F1B2C18-6495-B19B-0DCF-2EFC403EB7F7}"/>
-              </a:ext>
-            </a:extLst>
-          </p:cNvPr>
+          <p:cNvPr id="5" name="Footer Placeholder 4"/>
           <p:cNvSpPr>
             <a:spLocks noGrp="1"/>
           </p:cNvSpPr>
@@ -293,13 +270,7 @@
       </p:sp>
       <p:sp>
         <p:nvSpPr>
-          <p:cNvPr id="6" name="Slide Number Placeholder 5">
-            <a:extLst>
-              <a:ext uri="{FF2B5EF4-FFF2-40B4-BE49-F238E27FC236}">
-                <a16:creationId xmlns:a16="http://schemas.microsoft.com/office/drawing/2014/main" id="{5BAE888C-9617-F570-013D-728BCD4269A8}"/>
-              </a:ext>
-            </a:extLst>
-          </p:cNvPr>
+          <p:cNvPr id="6" name="Slide Number Placeholder 5"/>
           <p:cNvSpPr>
             <a:spLocks noGrp="1"/>
           </p:cNvSpPr>
@@ -323,7 +294,7 @@
     </p:spTree>
     <p:extLst>
       <p:ext uri="{BB962C8B-B14F-4D97-AF65-F5344CB8AC3E}">
-        <p14:creationId xmlns:p14="http://schemas.microsoft.com/office/powerpoint/2010/main" val="2336388917"/>
+        <p14:creationId xmlns:p14="http://schemas.microsoft.com/office/powerpoint/2010/main" val="3655804756"/>
       </p:ext>
     </p:extLst>
   </p:cSld>
@@ -352,13 +323,7 @@
       </p:grpSpPr>
       <p:sp>
         <p:nvSpPr>
-          <p:cNvPr id="2" name="Title 1">
-            <a:extLst>
-              <a:ext uri="{FF2B5EF4-FFF2-40B4-BE49-F238E27FC236}">
-                <a16:creationId xmlns:a16="http://schemas.microsoft.com/office/drawing/2014/main" id="{D6704E59-A943-8C25-BA35-3FCD59A2CEA0}"/>
-              </a:ext>
-            </a:extLst>
-          </p:cNvPr>
+          <p:cNvPr id="2" name="Title 1"/>
           <p:cNvSpPr>
             <a:spLocks noGrp="1"/>
           </p:cNvSpPr>
@@ -375,18 +340,13 @@
               <a:rPr lang="en-US"/>
               <a:t>Click to edit Master title style</a:t>
             </a:r>
-          </a:p>
-        </p:txBody>
-      </p:sp>
-      <p:sp>
-        <p:nvSpPr>
-          <p:cNvPr id="3" name="Vertical Text Placeholder 2">
-            <a:extLst>
-              <a:ext uri="{FF2B5EF4-FFF2-40B4-BE49-F238E27FC236}">
-                <a16:creationId xmlns:a16="http://schemas.microsoft.com/office/drawing/2014/main" id="{5F11339E-6E76-9C80-7537-9E70E5C9FF59}"/>
-              </a:ext>
-            </a:extLst>
-          </p:cNvPr>
+            <a:endParaRPr lang="en-US" dirty="0"/>
+          </a:p>
+        </p:txBody>
+      </p:sp>
+      <p:sp>
+        <p:nvSpPr>
+          <p:cNvPr id="3" name="Vertical Text Placeholder 2"/>
           <p:cNvSpPr>
             <a:spLocks noGrp="1"/>
           </p:cNvSpPr>
@@ -432,18 +392,13 @@
               <a:rPr lang="en-US"/>
               <a:t>Fifth level</a:t>
             </a:r>
-          </a:p>
-        </p:txBody>
-      </p:sp>
-      <p:sp>
-        <p:nvSpPr>
-          <p:cNvPr id="4" name="Date Placeholder 3">
-            <a:extLst>
-              <a:ext uri="{FF2B5EF4-FFF2-40B4-BE49-F238E27FC236}">
-                <a16:creationId xmlns:a16="http://schemas.microsoft.com/office/drawing/2014/main" id="{1D3F539D-ED80-1B73-3BAD-855451754E7C}"/>
-              </a:ext>
-            </a:extLst>
-          </p:cNvPr>
+            <a:endParaRPr lang="en-US" dirty="0"/>
+          </a:p>
+        </p:txBody>
+      </p:sp>
+      <p:sp>
+        <p:nvSpPr>
+          <p:cNvPr id="4" name="Date Placeholder 3"/>
           <p:cNvSpPr>
             <a:spLocks noGrp="1"/>
           </p:cNvSpPr>
@@ -458,7 +413,7 @@
           <a:p>
             <a:fld id="{9530F64E-2E5C-40CF-BD53-5D4EDAB3DC33}" type="datetimeFigureOut">
               <a:rPr lang="en-US" smtClean="0"/>
-              <a:t>10/29/2024</a:t>
+              <a:t>10/30/2024</a:t>
             </a:fld>
             <a:endParaRPr lang="en-US"/>
           </a:p>
@@ -466,13 +421,7 @@
       </p:sp>
       <p:sp>
         <p:nvSpPr>
-          <p:cNvPr id="5" name="Footer Placeholder 4">
-            <a:extLst>
-              <a:ext uri="{FF2B5EF4-FFF2-40B4-BE49-F238E27FC236}">
-                <a16:creationId xmlns:a16="http://schemas.microsoft.com/office/drawing/2014/main" id="{EA2FC3E1-4E9C-EEBB-0D3A-506EA834A139}"/>
-              </a:ext>
-            </a:extLst>
-          </p:cNvPr>
+          <p:cNvPr id="5" name="Footer Placeholder 4"/>
           <p:cNvSpPr>
             <a:spLocks noGrp="1"/>
           </p:cNvSpPr>
@@ -491,13 +440,7 @@
       </p:sp>
       <p:sp>
         <p:nvSpPr>
-          <p:cNvPr id="6" name="Slide Number Placeholder 5">
-            <a:extLst>
-              <a:ext uri="{FF2B5EF4-FFF2-40B4-BE49-F238E27FC236}">
-                <a16:creationId xmlns:a16="http://schemas.microsoft.com/office/drawing/2014/main" id="{38191D78-547E-6BD8-19C7-3C4809FBB8E2}"/>
-              </a:ext>
-            </a:extLst>
-          </p:cNvPr>
+          <p:cNvPr id="6" name="Slide Number Placeholder 5"/>
           <p:cNvSpPr>
             <a:spLocks noGrp="1"/>
           </p:cNvSpPr>
@@ -521,7 +464,7 @@
     </p:spTree>
     <p:extLst>
       <p:ext uri="{BB962C8B-B14F-4D97-AF65-F5344CB8AC3E}">
-        <p14:creationId xmlns:p14="http://schemas.microsoft.com/office/powerpoint/2010/main" val="3521278183"/>
+        <p14:creationId xmlns:p14="http://schemas.microsoft.com/office/powerpoint/2010/main" val="2134169403"/>
       </p:ext>
     </p:extLst>
   </p:cSld>
@@ -550,13 +493,7 @@
       </p:grpSpPr>
       <p:sp>
         <p:nvSpPr>
-          <p:cNvPr id="2" name="Vertical Title 1">
-            <a:extLst>
-              <a:ext uri="{FF2B5EF4-FFF2-40B4-BE49-F238E27FC236}">
-                <a16:creationId xmlns:a16="http://schemas.microsoft.com/office/drawing/2014/main" id="{7ADEF394-DB33-F325-227E-886003F6CE97}"/>
-              </a:ext>
-            </a:extLst>
-          </p:cNvPr>
+          <p:cNvPr id="2" name="Vertical Title 1"/>
           <p:cNvSpPr>
             <a:spLocks noGrp="1"/>
           </p:cNvSpPr>
@@ -566,8 +503,8 @@
         </p:nvSpPr>
         <p:spPr>
           <a:xfrm>
-            <a:off x="8724900" y="365125"/>
-            <a:ext cx="2628900" cy="5811838"/>
+            <a:off x="17449800" y="730250"/>
+            <a:ext cx="5257800" cy="11623676"/>
           </a:xfrm>
         </p:spPr>
         <p:txBody>
@@ -578,18 +515,13 @@
               <a:rPr lang="en-US"/>
               <a:t>Click to edit Master title style</a:t>
             </a:r>
-          </a:p>
-        </p:txBody>
-      </p:sp>
-      <p:sp>
-        <p:nvSpPr>
-          <p:cNvPr id="3" name="Vertical Text Placeholder 2">
-            <a:extLst>
-              <a:ext uri="{FF2B5EF4-FFF2-40B4-BE49-F238E27FC236}">
-                <a16:creationId xmlns:a16="http://schemas.microsoft.com/office/drawing/2014/main" id="{8A57171E-AAD6-05AF-56C2-7B8992B60C66}"/>
-              </a:ext>
-            </a:extLst>
-          </p:cNvPr>
+            <a:endParaRPr lang="en-US" dirty="0"/>
+          </a:p>
+        </p:txBody>
+      </p:sp>
+      <p:sp>
+        <p:nvSpPr>
+          <p:cNvPr id="3" name="Vertical Text Placeholder 2"/>
           <p:cNvSpPr>
             <a:spLocks noGrp="1"/>
           </p:cNvSpPr>
@@ -599,8 +531,8 @@
         </p:nvSpPr>
         <p:spPr>
           <a:xfrm>
-            <a:off x="838200" y="365125"/>
-            <a:ext cx="7734300" cy="5811838"/>
+            <a:off x="1676400" y="730250"/>
+            <a:ext cx="15468600" cy="11623676"/>
           </a:xfrm>
         </p:spPr>
         <p:txBody>
@@ -640,18 +572,13 @@
               <a:rPr lang="en-US"/>
               <a:t>Fifth level</a:t>
             </a:r>
-          </a:p>
-        </p:txBody>
-      </p:sp>
-      <p:sp>
-        <p:nvSpPr>
-          <p:cNvPr id="4" name="Date Placeholder 3">
-            <a:extLst>
-              <a:ext uri="{FF2B5EF4-FFF2-40B4-BE49-F238E27FC236}">
-                <a16:creationId xmlns:a16="http://schemas.microsoft.com/office/drawing/2014/main" id="{E3FEC2F4-01C0-6CB2-0050-387453B29302}"/>
-              </a:ext>
-            </a:extLst>
-          </p:cNvPr>
+            <a:endParaRPr lang="en-US" dirty="0"/>
+          </a:p>
+        </p:txBody>
+      </p:sp>
+      <p:sp>
+        <p:nvSpPr>
+          <p:cNvPr id="4" name="Date Placeholder 3"/>
           <p:cNvSpPr>
             <a:spLocks noGrp="1"/>
           </p:cNvSpPr>
@@ -666,7 +593,7 @@
           <a:p>
             <a:fld id="{9530F64E-2E5C-40CF-BD53-5D4EDAB3DC33}" type="datetimeFigureOut">
               <a:rPr lang="en-US" smtClean="0"/>
-              <a:t>10/29/2024</a:t>
+              <a:t>10/30/2024</a:t>
             </a:fld>
             <a:endParaRPr lang="en-US"/>
           </a:p>
@@ -674,13 +601,7 @@
       </p:sp>
       <p:sp>
         <p:nvSpPr>
-          <p:cNvPr id="5" name="Footer Placeholder 4">
-            <a:extLst>
-              <a:ext uri="{FF2B5EF4-FFF2-40B4-BE49-F238E27FC236}">
-                <a16:creationId xmlns:a16="http://schemas.microsoft.com/office/drawing/2014/main" id="{A10DB893-6772-FED7-F90F-47855529C790}"/>
-              </a:ext>
-            </a:extLst>
-          </p:cNvPr>
+          <p:cNvPr id="5" name="Footer Placeholder 4"/>
           <p:cNvSpPr>
             <a:spLocks noGrp="1"/>
           </p:cNvSpPr>
@@ -699,13 +620,7 @@
       </p:sp>
       <p:sp>
         <p:nvSpPr>
-          <p:cNvPr id="6" name="Slide Number Placeholder 5">
-            <a:extLst>
-              <a:ext uri="{FF2B5EF4-FFF2-40B4-BE49-F238E27FC236}">
-                <a16:creationId xmlns:a16="http://schemas.microsoft.com/office/drawing/2014/main" id="{E5114A5E-735E-6DE6-DE37-0F1490836474}"/>
-              </a:ext>
-            </a:extLst>
-          </p:cNvPr>
+          <p:cNvPr id="6" name="Slide Number Placeholder 5"/>
           <p:cNvSpPr>
             <a:spLocks noGrp="1"/>
           </p:cNvSpPr>
@@ -729,7 +644,7 @@
     </p:spTree>
     <p:extLst>
       <p:ext uri="{BB962C8B-B14F-4D97-AF65-F5344CB8AC3E}">
-        <p14:creationId xmlns:p14="http://schemas.microsoft.com/office/powerpoint/2010/main" val="224520396"/>
+        <p14:creationId xmlns:p14="http://schemas.microsoft.com/office/powerpoint/2010/main" val="3182908792"/>
       </p:ext>
     </p:extLst>
   </p:cSld>
@@ -758,13 +673,7 @@
       </p:grpSpPr>
       <p:sp>
         <p:nvSpPr>
-          <p:cNvPr id="2" name="Title 1">
-            <a:extLst>
-              <a:ext uri="{FF2B5EF4-FFF2-40B4-BE49-F238E27FC236}">
-                <a16:creationId xmlns:a16="http://schemas.microsoft.com/office/drawing/2014/main" id="{863DF2CC-8774-B73F-F447-73608AF522B8}"/>
-              </a:ext>
-            </a:extLst>
-          </p:cNvPr>
+          <p:cNvPr id="2" name="Title 1"/>
           <p:cNvSpPr>
             <a:spLocks noGrp="1"/>
           </p:cNvSpPr>
@@ -781,18 +690,13 @@
               <a:rPr lang="en-US"/>
               <a:t>Click to edit Master title style</a:t>
             </a:r>
-          </a:p>
-        </p:txBody>
-      </p:sp>
-      <p:sp>
-        <p:nvSpPr>
-          <p:cNvPr id="3" name="Content Placeholder 2">
-            <a:extLst>
-              <a:ext uri="{FF2B5EF4-FFF2-40B4-BE49-F238E27FC236}">
-                <a16:creationId xmlns:a16="http://schemas.microsoft.com/office/drawing/2014/main" id="{13960CDE-4C4D-C655-AC46-261E98ACD3E1}"/>
-              </a:ext>
-            </a:extLst>
-          </p:cNvPr>
+            <a:endParaRPr lang="en-US" dirty="0"/>
+          </a:p>
+        </p:txBody>
+      </p:sp>
+      <p:sp>
+        <p:nvSpPr>
+          <p:cNvPr id="3" name="Content Placeholder 2"/>
           <p:cNvSpPr>
             <a:spLocks noGrp="1"/>
           </p:cNvSpPr>
@@ -838,18 +742,13 @@
               <a:rPr lang="en-US"/>
               <a:t>Fifth level</a:t>
             </a:r>
-          </a:p>
-        </p:txBody>
-      </p:sp>
-      <p:sp>
-        <p:nvSpPr>
-          <p:cNvPr id="4" name="Date Placeholder 3">
-            <a:extLst>
-              <a:ext uri="{FF2B5EF4-FFF2-40B4-BE49-F238E27FC236}">
-                <a16:creationId xmlns:a16="http://schemas.microsoft.com/office/drawing/2014/main" id="{642D6233-D31B-E876-F6CA-0AE8E4A183F7}"/>
-              </a:ext>
-            </a:extLst>
-          </p:cNvPr>
+            <a:endParaRPr lang="en-US" dirty="0"/>
+          </a:p>
+        </p:txBody>
+      </p:sp>
+      <p:sp>
+        <p:nvSpPr>
+          <p:cNvPr id="4" name="Date Placeholder 3"/>
           <p:cNvSpPr>
             <a:spLocks noGrp="1"/>
           </p:cNvSpPr>
@@ -864,7 +763,7 @@
           <a:p>
             <a:fld id="{9530F64E-2E5C-40CF-BD53-5D4EDAB3DC33}" type="datetimeFigureOut">
               <a:rPr lang="en-US" smtClean="0"/>
-              <a:t>10/29/2024</a:t>
+              <a:t>10/30/2024</a:t>
             </a:fld>
             <a:endParaRPr lang="en-US"/>
           </a:p>
@@ -872,13 +771,7 @@
       </p:sp>
       <p:sp>
         <p:nvSpPr>
-          <p:cNvPr id="5" name="Footer Placeholder 4">
-            <a:extLst>
-              <a:ext uri="{FF2B5EF4-FFF2-40B4-BE49-F238E27FC236}">
-                <a16:creationId xmlns:a16="http://schemas.microsoft.com/office/drawing/2014/main" id="{769C6E17-D5A6-170B-40AE-BE809BAE132C}"/>
-              </a:ext>
-            </a:extLst>
-          </p:cNvPr>
+          <p:cNvPr id="5" name="Footer Placeholder 4"/>
           <p:cNvSpPr>
             <a:spLocks noGrp="1"/>
           </p:cNvSpPr>
@@ -897,13 +790,7 @@
       </p:sp>
       <p:sp>
         <p:nvSpPr>
-          <p:cNvPr id="6" name="Slide Number Placeholder 5">
-            <a:extLst>
-              <a:ext uri="{FF2B5EF4-FFF2-40B4-BE49-F238E27FC236}">
-                <a16:creationId xmlns:a16="http://schemas.microsoft.com/office/drawing/2014/main" id="{0C464E71-9CC4-C3EC-8A89-5EEFE893F03E}"/>
-              </a:ext>
-            </a:extLst>
-          </p:cNvPr>
+          <p:cNvPr id="6" name="Slide Number Placeholder 5"/>
           <p:cNvSpPr>
             <a:spLocks noGrp="1"/>
           </p:cNvSpPr>
@@ -927,7 +814,7 @@
     </p:spTree>
     <p:extLst>
       <p:ext uri="{BB962C8B-B14F-4D97-AF65-F5344CB8AC3E}">
-        <p14:creationId xmlns:p14="http://schemas.microsoft.com/office/powerpoint/2010/main" val="3016985566"/>
+        <p14:creationId xmlns:p14="http://schemas.microsoft.com/office/powerpoint/2010/main" val="1054176110"/>
       </p:ext>
     </p:extLst>
   </p:cSld>
@@ -956,13 +843,7 @@
       </p:grpSpPr>
       <p:sp>
         <p:nvSpPr>
-          <p:cNvPr id="2" name="Title 1">
-            <a:extLst>
-              <a:ext uri="{FF2B5EF4-FFF2-40B4-BE49-F238E27FC236}">
-                <a16:creationId xmlns:a16="http://schemas.microsoft.com/office/drawing/2014/main" id="{68FB97EF-8E96-9644-39FC-FEF30316D0F8}"/>
-              </a:ext>
-            </a:extLst>
-          </p:cNvPr>
+          <p:cNvPr id="2" name="Title 1"/>
           <p:cNvSpPr>
             <a:spLocks noGrp="1"/>
           </p:cNvSpPr>
@@ -972,15 +853,15 @@
         </p:nvSpPr>
         <p:spPr>
           <a:xfrm>
-            <a:off x="831850" y="1709738"/>
-            <a:ext cx="10515600" cy="2852737"/>
+            <a:off x="1663700" y="3419477"/>
+            <a:ext cx="21031200" cy="5705474"/>
           </a:xfrm>
         </p:spPr>
         <p:txBody>
           <a:bodyPr anchor="b"/>
           <a:lstStyle>
             <a:lvl1pPr>
-              <a:defRPr sz="6000"/>
+              <a:defRPr sz="12000"/>
             </a:lvl1pPr>
           </a:lstStyle>
           <a:p>
@@ -988,18 +869,13 @@
               <a:rPr lang="en-US"/>
               <a:t>Click to edit Master title style</a:t>
             </a:r>
-          </a:p>
-        </p:txBody>
-      </p:sp>
-      <p:sp>
-        <p:nvSpPr>
-          <p:cNvPr id="3" name="Text Placeholder 2">
-            <a:extLst>
-              <a:ext uri="{FF2B5EF4-FFF2-40B4-BE49-F238E27FC236}">
-                <a16:creationId xmlns:a16="http://schemas.microsoft.com/office/drawing/2014/main" id="{8725218B-FC43-C71B-C629-D77F0AB3073A}"/>
-              </a:ext>
-            </a:extLst>
-          </p:cNvPr>
+            <a:endParaRPr lang="en-US" dirty="0"/>
+          </a:p>
+        </p:txBody>
+      </p:sp>
+      <p:sp>
+        <p:nvSpPr>
+          <p:cNvPr id="3" name="Text Placeholder 2"/>
           <p:cNvSpPr>
             <a:spLocks noGrp="1"/>
           </p:cNvSpPr>
@@ -1009,8 +885,8 @@
         </p:nvSpPr>
         <p:spPr>
           <a:xfrm>
-            <a:off x="831850" y="4589463"/>
-            <a:ext cx="10515600" cy="1500187"/>
+            <a:off x="1663700" y="9178927"/>
+            <a:ext cx="21031200" cy="3000374"/>
           </a:xfrm>
         </p:spPr>
         <p:txBody>
@@ -1018,7 +894,7 @@
           <a:lstStyle>
             <a:lvl1pPr marL="0" indent="0">
               <a:buNone/>
-              <a:defRPr sz="2400">
+              <a:defRPr sz="4800">
                 <a:solidFill>
                   <a:schemeClr val="tx1">
                     <a:tint val="82000"/>
@@ -1026,9 +902,9 @@
                 </a:solidFill>
               </a:defRPr>
             </a:lvl1pPr>
-            <a:lvl2pPr marL="457200" indent="0">
-              <a:buNone/>
-              <a:defRPr sz="2000">
+            <a:lvl2pPr marL="914400" indent="0">
+              <a:buNone/>
+              <a:defRPr sz="4000">
                 <a:solidFill>
                   <a:schemeClr val="tx1">
                     <a:tint val="82000"/>
@@ -1036,9 +912,9 @@
                 </a:solidFill>
               </a:defRPr>
             </a:lvl2pPr>
-            <a:lvl3pPr marL="914400" indent="0">
-              <a:buNone/>
-              <a:defRPr sz="1800">
+            <a:lvl3pPr marL="1828800" indent="0">
+              <a:buNone/>
+              <a:defRPr sz="3600">
                 <a:solidFill>
                   <a:schemeClr val="tx1">
                     <a:tint val="82000"/>
@@ -1046,9 +922,9 @@
                 </a:solidFill>
               </a:defRPr>
             </a:lvl3pPr>
-            <a:lvl4pPr marL="1371600" indent="0">
-              <a:buNone/>
-              <a:defRPr sz="1600">
+            <a:lvl4pPr marL="2743200" indent="0">
+              <a:buNone/>
+              <a:defRPr sz="3200">
                 <a:solidFill>
                   <a:schemeClr val="tx1">
                     <a:tint val="82000"/>
@@ -1056,9 +932,9 @@
                 </a:solidFill>
               </a:defRPr>
             </a:lvl4pPr>
-            <a:lvl5pPr marL="1828800" indent="0">
-              <a:buNone/>
-              <a:defRPr sz="1600">
+            <a:lvl5pPr marL="3657600" indent="0">
+              <a:buNone/>
+              <a:defRPr sz="3200">
                 <a:solidFill>
                   <a:schemeClr val="tx1">
                     <a:tint val="82000"/>
@@ -1066,9 +942,9 @@
                 </a:solidFill>
               </a:defRPr>
             </a:lvl5pPr>
-            <a:lvl6pPr marL="2286000" indent="0">
-              <a:buNone/>
-              <a:defRPr sz="1600">
+            <a:lvl6pPr marL="4572000" indent="0">
+              <a:buNone/>
+              <a:defRPr sz="3200">
                 <a:solidFill>
                   <a:schemeClr val="tx1">
                     <a:tint val="82000"/>
@@ -1076,9 +952,9 @@
                 </a:solidFill>
               </a:defRPr>
             </a:lvl6pPr>
-            <a:lvl7pPr marL="2743200" indent="0">
-              <a:buNone/>
-              <a:defRPr sz="1600">
+            <a:lvl7pPr marL="5486400" indent="0">
+              <a:buNone/>
+              <a:defRPr sz="3200">
                 <a:solidFill>
                   <a:schemeClr val="tx1">
                     <a:tint val="82000"/>
@@ -1086,9 +962,9 @@
                 </a:solidFill>
               </a:defRPr>
             </a:lvl7pPr>
-            <a:lvl8pPr marL="3200400" indent="0">
-              <a:buNone/>
-              <a:defRPr sz="1600">
+            <a:lvl8pPr marL="6400800" indent="0">
+              <a:buNone/>
+              <a:defRPr sz="3200">
                 <a:solidFill>
                   <a:schemeClr val="tx1">
                     <a:tint val="82000"/>
@@ -1096,9 +972,9 @@
                 </a:solidFill>
               </a:defRPr>
             </a:lvl8pPr>
-            <a:lvl9pPr marL="3657600" indent="0">
-              <a:buNone/>
-              <a:defRPr sz="1600">
+            <a:lvl9pPr marL="7315200" indent="0">
+              <a:buNone/>
+              <a:defRPr sz="3200">
                 <a:solidFill>
                   <a:schemeClr val="tx1">
                     <a:tint val="82000"/>
@@ -1118,13 +994,7 @@
       </p:sp>
       <p:sp>
         <p:nvSpPr>
-          <p:cNvPr id="4" name="Date Placeholder 3">
-            <a:extLst>
-              <a:ext uri="{FF2B5EF4-FFF2-40B4-BE49-F238E27FC236}">
-                <a16:creationId xmlns:a16="http://schemas.microsoft.com/office/drawing/2014/main" id="{4ADD9142-63EA-231D-71FA-71BF6FCEC59B}"/>
-              </a:ext>
-            </a:extLst>
-          </p:cNvPr>
+          <p:cNvPr id="4" name="Date Placeholder 3"/>
           <p:cNvSpPr>
             <a:spLocks noGrp="1"/>
           </p:cNvSpPr>
@@ -1139,7 +1009,7 @@
           <a:p>
             <a:fld id="{9530F64E-2E5C-40CF-BD53-5D4EDAB3DC33}" type="datetimeFigureOut">
               <a:rPr lang="en-US" smtClean="0"/>
-              <a:t>10/29/2024</a:t>
+              <a:t>10/30/2024</a:t>
             </a:fld>
             <a:endParaRPr lang="en-US"/>
           </a:p>
@@ -1147,13 +1017,7 @@
       </p:sp>
       <p:sp>
         <p:nvSpPr>
-          <p:cNvPr id="5" name="Footer Placeholder 4">
-            <a:extLst>
-              <a:ext uri="{FF2B5EF4-FFF2-40B4-BE49-F238E27FC236}">
-                <a16:creationId xmlns:a16="http://schemas.microsoft.com/office/drawing/2014/main" id="{9135E15E-CBD5-049C-C5B5-2E295737E67E}"/>
-              </a:ext>
-            </a:extLst>
-          </p:cNvPr>
+          <p:cNvPr id="5" name="Footer Placeholder 4"/>
           <p:cNvSpPr>
             <a:spLocks noGrp="1"/>
           </p:cNvSpPr>
@@ -1172,13 +1036,7 @@
       </p:sp>
       <p:sp>
         <p:nvSpPr>
-          <p:cNvPr id="6" name="Slide Number Placeholder 5">
-            <a:extLst>
-              <a:ext uri="{FF2B5EF4-FFF2-40B4-BE49-F238E27FC236}">
-                <a16:creationId xmlns:a16="http://schemas.microsoft.com/office/drawing/2014/main" id="{2FD1F0A8-3F7E-DAFC-8FF0-2D27F4F52274}"/>
-              </a:ext>
-            </a:extLst>
-          </p:cNvPr>
+          <p:cNvPr id="6" name="Slide Number Placeholder 5"/>
           <p:cNvSpPr>
             <a:spLocks noGrp="1"/>
           </p:cNvSpPr>
@@ -1202,7 +1060,7 @@
     </p:spTree>
     <p:extLst>
       <p:ext uri="{BB962C8B-B14F-4D97-AF65-F5344CB8AC3E}">
-        <p14:creationId xmlns:p14="http://schemas.microsoft.com/office/powerpoint/2010/main" val="136254495"/>
+        <p14:creationId xmlns:p14="http://schemas.microsoft.com/office/powerpoint/2010/main" val="1919593055"/>
       </p:ext>
     </p:extLst>
   </p:cSld>
@@ -1231,13 +1089,7 @@
       </p:grpSpPr>
       <p:sp>
         <p:nvSpPr>
-          <p:cNvPr id="2" name="Title 1">
-            <a:extLst>
-              <a:ext uri="{FF2B5EF4-FFF2-40B4-BE49-F238E27FC236}">
-                <a16:creationId xmlns:a16="http://schemas.microsoft.com/office/drawing/2014/main" id="{F9CA25EF-AA6D-9E28-A542-25E076FB1847}"/>
-              </a:ext>
-            </a:extLst>
-          </p:cNvPr>
+          <p:cNvPr id="2" name="Title 1"/>
           <p:cNvSpPr>
             <a:spLocks noGrp="1"/>
           </p:cNvSpPr>
@@ -1254,18 +1106,13 @@
               <a:rPr lang="en-US"/>
               <a:t>Click to edit Master title style</a:t>
             </a:r>
-          </a:p>
-        </p:txBody>
-      </p:sp>
-      <p:sp>
-        <p:nvSpPr>
-          <p:cNvPr id="3" name="Content Placeholder 2">
-            <a:extLst>
-              <a:ext uri="{FF2B5EF4-FFF2-40B4-BE49-F238E27FC236}">
-                <a16:creationId xmlns:a16="http://schemas.microsoft.com/office/drawing/2014/main" id="{CB662038-695D-4CE4-1555-640BFFA3AA25}"/>
-              </a:ext>
-            </a:extLst>
-          </p:cNvPr>
+            <a:endParaRPr lang="en-US" dirty="0"/>
+          </a:p>
+        </p:txBody>
+      </p:sp>
+      <p:sp>
+        <p:nvSpPr>
+          <p:cNvPr id="3" name="Content Placeholder 2"/>
           <p:cNvSpPr>
             <a:spLocks noGrp="1"/>
           </p:cNvSpPr>
@@ -1275,8 +1122,8 @@
         </p:nvSpPr>
         <p:spPr>
           <a:xfrm>
-            <a:off x="838200" y="1825625"/>
-            <a:ext cx="5181600" cy="4351338"/>
+            <a:off x="1676400" y="3651250"/>
+            <a:ext cx="10363200" cy="8702676"/>
           </a:xfrm>
         </p:spPr>
         <p:txBody>
@@ -1316,18 +1163,13 @@
               <a:rPr lang="en-US"/>
               <a:t>Fifth level</a:t>
             </a:r>
-          </a:p>
-        </p:txBody>
-      </p:sp>
-      <p:sp>
-        <p:nvSpPr>
-          <p:cNvPr id="4" name="Content Placeholder 3">
-            <a:extLst>
-              <a:ext uri="{FF2B5EF4-FFF2-40B4-BE49-F238E27FC236}">
-                <a16:creationId xmlns:a16="http://schemas.microsoft.com/office/drawing/2014/main" id="{7427570D-E095-10A9-6DAA-EE6898DCE071}"/>
-              </a:ext>
-            </a:extLst>
-          </p:cNvPr>
+            <a:endParaRPr lang="en-US" dirty="0"/>
+          </a:p>
+        </p:txBody>
+      </p:sp>
+      <p:sp>
+        <p:nvSpPr>
+          <p:cNvPr id="4" name="Content Placeholder 3"/>
           <p:cNvSpPr>
             <a:spLocks noGrp="1"/>
           </p:cNvSpPr>
@@ -1337,8 +1179,8 @@
         </p:nvSpPr>
         <p:spPr>
           <a:xfrm>
-            <a:off x="6172200" y="1825625"/>
-            <a:ext cx="5181600" cy="4351338"/>
+            <a:off x="12344400" y="3651250"/>
+            <a:ext cx="10363200" cy="8702676"/>
           </a:xfrm>
         </p:spPr>
         <p:txBody>
@@ -1378,18 +1220,13 @@
               <a:rPr lang="en-US"/>
               <a:t>Fifth level</a:t>
             </a:r>
-          </a:p>
-        </p:txBody>
-      </p:sp>
-      <p:sp>
-        <p:nvSpPr>
-          <p:cNvPr id="5" name="Date Placeholder 4">
-            <a:extLst>
-              <a:ext uri="{FF2B5EF4-FFF2-40B4-BE49-F238E27FC236}">
-                <a16:creationId xmlns:a16="http://schemas.microsoft.com/office/drawing/2014/main" id="{69807FEF-7C67-8383-B061-4036BB1F066D}"/>
-              </a:ext>
-            </a:extLst>
-          </p:cNvPr>
+            <a:endParaRPr lang="en-US" dirty="0"/>
+          </a:p>
+        </p:txBody>
+      </p:sp>
+      <p:sp>
+        <p:nvSpPr>
+          <p:cNvPr id="5" name="Date Placeholder 4"/>
           <p:cNvSpPr>
             <a:spLocks noGrp="1"/>
           </p:cNvSpPr>
@@ -1404,7 +1241,7 @@
           <a:p>
             <a:fld id="{9530F64E-2E5C-40CF-BD53-5D4EDAB3DC33}" type="datetimeFigureOut">
               <a:rPr lang="en-US" smtClean="0"/>
-              <a:t>10/29/2024</a:t>
+              <a:t>10/30/2024</a:t>
             </a:fld>
             <a:endParaRPr lang="en-US"/>
           </a:p>
@@ -1412,13 +1249,7 @@
       </p:sp>
       <p:sp>
         <p:nvSpPr>
-          <p:cNvPr id="6" name="Footer Placeholder 5">
-            <a:extLst>
-              <a:ext uri="{FF2B5EF4-FFF2-40B4-BE49-F238E27FC236}">
-                <a16:creationId xmlns:a16="http://schemas.microsoft.com/office/drawing/2014/main" id="{33C22ACB-05BF-380C-D871-BCDED36180DC}"/>
-              </a:ext>
-            </a:extLst>
-          </p:cNvPr>
+          <p:cNvPr id="6" name="Footer Placeholder 5"/>
           <p:cNvSpPr>
             <a:spLocks noGrp="1"/>
           </p:cNvSpPr>
@@ -1437,13 +1268,7 @@
       </p:sp>
       <p:sp>
         <p:nvSpPr>
-          <p:cNvPr id="7" name="Slide Number Placeholder 6">
-            <a:extLst>
-              <a:ext uri="{FF2B5EF4-FFF2-40B4-BE49-F238E27FC236}">
-                <a16:creationId xmlns:a16="http://schemas.microsoft.com/office/drawing/2014/main" id="{ACA910F5-FB7C-BFE8-9B2A-FA38CB6DF11D}"/>
-              </a:ext>
-            </a:extLst>
-          </p:cNvPr>
+          <p:cNvPr id="7" name="Slide Number Placeholder 6"/>
           <p:cNvSpPr>
             <a:spLocks noGrp="1"/>
           </p:cNvSpPr>
@@ -1467,7 +1292,7 @@
     </p:spTree>
     <p:extLst>
       <p:ext uri="{BB962C8B-B14F-4D97-AF65-F5344CB8AC3E}">
-        <p14:creationId xmlns:p14="http://schemas.microsoft.com/office/powerpoint/2010/main" val="3955319959"/>
+        <p14:creationId xmlns:p14="http://schemas.microsoft.com/office/powerpoint/2010/main" val="3459695769"/>
       </p:ext>
     </p:extLst>
   </p:cSld>
@@ -1496,13 +1321,7 @@
       </p:grpSpPr>
       <p:sp>
         <p:nvSpPr>
-          <p:cNvPr id="2" name="Title 1">
-            <a:extLst>
-              <a:ext uri="{FF2B5EF4-FFF2-40B4-BE49-F238E27FC236}">
-                <a16:creationId xmlns:a16="http://schemas.microsoft.com/office/drawing/2014/main" id="{37137AE3-4649-0788-70BE-1BA053B66DE2}"/>
-              </a:ext>
-            </a:extLst>
-          </p:cNvPr>
+          <p:cNvPr id="2" name="Title 1"/>
           <p:cNvSpPr>
             <a:spLocks noGrp="1"/>
           </p:cNvSpPr>
@@ -1512,8 +1331,8 @@
         </p:nvSpPr>
         <p:spPr>
           <a:xfrm>
-            <a:off x="839788" y="365125"/>
-            <a:ext cx="10515600" cy="1325563"/>
+            <a:off x="1679576" y="730251"/>
+            <a:ext cx="21031200" cy="2651126"/>
           </a:xfrm>
         </p:spPr>
         <p:txBody>
@@ -1524,18 +1343,13 @@
               <a:rPr lang="en-US"/>
               <a:t>Click to edit Master title style</a:t>
             </a:r>
-          </a:p>
-        </p:txBody>
-      </p:sp>
-      <p:sp>
-        <p:nvSpPr>
-          <p:cNvPr id="3" name="Text Placeholder 2">
-            <a:extLst>
-              <a:ext uri="{FF2B5EF4-FFF2-40B4-BE49-F238E27FC236}">
-                <a16:creationId xmlns:a16="http://schemas.microsoft.com/office/drawing/2014/main" id="{31022A7C-0A7B-DEF5-5A83-7538AE2A9909}"/>
-              </a:ext>
-            </a:extLst>
-          </p:cNvPr>
+            <a:endParaRPr lang="en-US" dirty="0"/>
+          </a:p>
+        </p:txBody>
+      </p:sp>
+      <p:sp>
+        <p:nvSpPr>
+          <p:cNvPr id="3" name="Text Placeholder 2"/>
           <p:cNvSpPr>
             <a:spLocks noGrp="1"/>
           </p:cNvSpPr>
@@ -1545,8 +1359,8 @@
         </p:nvSpPr>
         <p:spPr>
           <a:xfrm>
-            <a:off x="839788" y="1681163"/>
-            <a:ext cx="5157787" cy="823912"/>
+            <a:off x="1679577" y="3362326"/>
+            <a:ext cx="10315574" cy="1647824"/>
           </a:xfrm>
         </p:spPr>
         <p:txBody>
@@ -1554,39 +1368,39 @@
           <a:lstStyle>
             <a:lvl1pPr marL="0" indent="0">
               <a:buNone/>
-              <a:defRPr sz="2400" b="1"/>
+              <a:defRPr sz="4800" b="1"/>
             </a:lvl1pPr>
-            <a:lvl2pPr marL="457200" indent="0">
-              <a:buNone/>
-              <a:defRPr sz="2000" b="1"/>
+            <a:lvl2pPr marL="914400" indent="0">
+              <a:buNone/>
+              <a:defRPr sz="4000" b="1"/>
             </a:lvl2pPr>
-            <a:lvl3pPr marL="914400" indent="0">
-              <a:buNone/>
-              <a:defRPr sz="1800" b="1"/>
+            <a:lvl3pPr marL="1828800" indent="0">
+              <a:buNone/>
+              <a:defRPr sz="3600" b="1"/>
             </a:lvl3pPr>
-            <a:lvl4pPr marL="1371600" indent="0">
-              <a:buNone/>
-              <a:defRPr sz="1600" b="1"/>
+            <a:lvl4pPr marL="2743200" indent="0">
+              <a:buNone/>
+              <a:defRPr sz="3200" b="1"/>
             </a:lvl4pPr>
-            <a:lvl5pPr marL="1828800" indent="0">
-              <a:buNone/>
-              <a:defRPr sz="1600" b="1"/>
+            <a:lvl5pPr marL="3657600" indent="0">
+              <a:buNone/>
+              <a:defRPr sz="3200" b="1"/>
             </a:lvl5pPr>
-            <a:lvl6pPr marL="2286000" indent="0">
-              <a:buNone/>
-              <a:defRPr sz="1600" b="1"/>
+            <a:lvl6pPr marL="4572000" indent="0">
+              <a:buNone/>
+              <a:defRPr sz="3200" b="1"/>
             </a:lvl6pPr>
-            <a:lvl7pPr marL="2743200" indent="0">
-              <a:buNone/>
-              <a:defRPr sz="1600" b="1"/>
+            <a:lvl7pPr marL="5486400" indent="0">
+              <a:buNone/>
+              <a:defRPr sz="3200" b="1"/>
             </a:lvl7pPr>
-            <a:lvl8pPr marL="3200400" indent="0">
-              <a:buNone/>
-              <a:defRPr sz="1600" b="1"/>
+            <a:lvl8pPr marL="6400800" indent="0">
+              <a:buNone/>
+              <a:defRPr sz="3200" b="1"/>
             </a:lvl8pPr>
-            <a:lvl9pPr marL="3657600" indent="0">
-              <a:buNone/>
-              <a:defRPr sz="1600" b="1"/>
+            <a:lvl9pPr marL="7315200" indent="0">
+              <a:buNone/>
+              <a:defRPr sz="3200" b="1"/>
             </a:lvl9pPr>
           </a:lstStyle>
           <a:p>
@@ -1600,13 +1414,7 @@
       </p:sp>
       <p:sp>
         <p:nvSpPr>
-          <p:cNvPr id="4" name="Content Placeholder 3">
-            <a:extLst>
-              <a:ext uri="{FF2B5EF4-FFF2-40B4-BE49-F238E27FC236}">
-                <a16:creationId xmlns:a16="http://schemas.microsoft.com/office/drawing/2014/main" id="{5F1DB369-32A5-2E7A-1494-81704EEE1DC6}"/>
-              </a:ext>
-            </a:extLst>
-          </p:cNvPr>
+          <p:cNvPr id="4" name="Content Placeholder 3"/>
           <p:cNvSpPr>
             <a:spLocks noGrp="1"/>
           </p:cNvSpPr>
@@ -1616,8 +1424,8 @@
         </p:nvSpPr>
         <p:spPr>
           <a:xfrm>
-            <a:off x="839788" y="2505075"/>
-            <a:ext cx="5157787" cy="3684588"/>
+            <a:off x="1679577" y="5010150"/>
+            <a:ext cx="10315574" cy="7369176"/>
           </a:xfrm>
         </p:spPr>
         <p:txBody>
@@ -1657,18 +1465,13 @@
               <a:rPr lang="en-US"/>
               <a:t>Fifth level</a:t>
             </a:r>
-          </a:p>
-        </p:txBody>
-      </p:sp>
-      <p:sp>
-        <p:nvSpPr>
-          <p:cNvPr id="5" name="Text Placeholder 4">
-            <a:extLst>
-              <a:ext uri="{FF2B5EF4-FFF2-40B4-BE49-F238E27FC236}">
-                <a16:creationId xmlns:a16="http://schemas.microsoft.com/office/drawing/2014/main" id="{11EA660D-76AD-D29E-5663-73BCF9B5950A}"/>
-              </a:ext>
-            </a:extLst>
-          </p:cNvPr>
+            <a:endParaRPr lang="en-US" dirty="0"/>
+          </a:p>
+        </p:txBody>
+      </p:sp>
+      <p:sp>
+        <p:nvSpPr>
+          <p:cNvPr id="5" name="Text Placeholder 4"/>
           <p:cNvSpPr>
             <a:spLocks noGrp="1"/>
           </p:cNvSpPr>
@@ -1678,8 +1481,8 @@
         </p:nvSpPr>
         <p:spPr>
           <a:xfrm>
-            <a:off x="6172200" y="1681163"/>
-            <a:ext cx="5183188" cy="823912"/>
+            <a:off x="12344400" y="3362326"/>
+            <a:ext cx="10366376" cy="1647824"/>
           </a:xfrm>
         </p:spPr>
         <p:txBody>
@@ -1687,39 +1490,39 @@
           <a:lstStyle>
             <a:lvl1pPr marL="0" indent="0">
               <a:buNone/>
-              <a:defRPr sz="2400" b="1"/>
+              <a:defRPr sz="4800" b="1"/>
             </a:lvl1pPr>
-            <a:lvl2pPr marL="457200" indent="0">
-              <a:buNone/>
-              <a:defRPr sz="2000" b="1"/>
+            <a:lvl2pPr marL="914400" indent="0">
+              <a:buNone/>
+              <a:defRPr sz="4000" b="1"/>
             </a:lvl2pPr>
-            <a:lvl3pPr marL="914400" indent="0">
-              <a:buNone/>
-              <a:defRPr sz="1800" b="1"/>
+            <a:lvl3pPr marL="1828800" indent="0">
+              <a:buNone/>
+              <a:defRPr sz="3600" b="1"/>
             </a:lvl3pPr>
-            <a:lvl4pPr marL="1371600" indent="0">
-              <a:buNone/>
-              <a:defRPr sz="1600" b="1"/>
+            <a:lvl4pPr marL="2743200" indent="0">
+              <a:buNone/>
+              <a:defRPr sz="3200" b="1"/>
             </a:lvl4pPr>
-            <a:lvl5pPr marL="1828800" indent="0">
-              <a:buNone/>
-              <a:defRPr sz="1600" b="1"/>
+            <a:lvl5pPr marL="3657600" indent="0">
+              <a:buNone/>
+              <a:defRPr sz="3200" b="1"/>
             </a:lvl5pPr>
-            <a:lvl6pPr marL="2286000" indent="0">
-              <a:buNone/>
-              <a:defRPr sz="1600" b="1"/>
+            <a:lvl6pPr marL="4572000" indent="0">
+              <a:buNone/>
+              <a:defRPr sz="3200" b="1"/>
             </a:lvl6pPr>
-            <a:lvl7pPr marL="2743200" indent="0">
-              <a:buNone/>
-              <a:defRPr sz="1600" b="1"/>
+            <a:lvl7pPr marL="5486400" indent="0">
+              <a:buNone/>
+              <a:defRPr sz="3200" b="1"/>
             </a:lvl7pPr>
-            <a:lvl8pPr marL="3200400" indent="0">
-              <a:buNone/>
-              <a:defRPr sz="1600" b="1"/>
+            <a:lvl8pPr marL="6400800" indent="0">
+              <a:buNone/>
+              <a:defRPr sz="3200" b="1"/>
             </a:lvl8pPr>
-            <a:lvl9pPr marL="3657600" indent="0">
-              <a:buNone/>
-              <a:defRPr sz="1600" b="1"/>
+            <a:lvl9pPr marL="7315200" indent="0">
+              <a:buNone/>
+              <a:defRPr sz="3200" b="1"/>
             </a:lvl9pPr>
           </a:lstStyle>
           <a:p>
@@ -1733,13 +1536,7 @@
       </p:sp>
       <p:sp>
         <p:nvSpPr>
-          <p:cNvPr id="6" name="Content Placeholder 5">
-            <a:extLst>
-              <a:ext uri="{FF2B5EF4-FFF2-40B4-BE49-F238E27FC236}">
-                <a16:creationId xmlns:a16="http://schemas.microsoft.com/office/drawing/2014/main" id="{A6C1B574-37D7-37C9-9B8D-91E9D248D9B4}"/>
-              </a:ext>
-            </a:extLst>
-          </p:cNvPr>
+          <p:cNvPr id="6" name="Content Placeholder 5"/>
           <p:cNvSpPr>
             <a:spLocks noGrp="1"/>
           </p:cNvSpPr>
@@ -1749,8 +1546,8 @@
         </p:nvSpPr>
         <p:spPr>
           <a:xfrm>
-            <a:off x="6172200" y="2505075"/>
-            <a:ext cx="5183188" cy="3684588"/>
+            <a:off x="12344400" y="5010150"/>
+            <a:ext cx="10366376" cy="7369176"/>
           </a:xfrm>
         </p:spPr>
         <p:txBody>
@@ -1790,18 +1587,13 @@
               <a:rPr lang="en-US"/>
               <a:t>Fifth level</a:t>
             </a:r>
-          </a:p>
-        </p:txBody>
-      </p:sp>
-      <p:sp>
-        <p:nvSpPr>
-          <p:cNvPr id="7" name="Date Placeholder 6">
-            <a:extLst>
-              <a:ext uri="{FF2B5EF4-FFF2-40B4-BE49-F238E27FC236}">
-                <a16:creationId xmlns:a16="http://schemas.microsoft.com/office/drawing/2014/main" id="{230B69C7-7660-AD09-48A6-434128F2D43E}"/>
-              </a:ext>
-            </a:extLst>
-          </p:cNvPr>
+            <a:endParaRPr lang="en-US" dirty="0"/>
+          </a:p>
+        </p:txBody>
+      </p:sp>
+      <p:sp>
+        <p:nvSpPr>
+          <p:cNvPr id="7" name="Date Placeholder 6"/>
           <p:cNvSpPr>
             <a:spLocks noGrp="1"/>
           </p:cNvSpPr>
@@ -1816,7 +1608,7 @@
           <a:p>
             <a:fld id="{9530F64E-2E5C-40CF-BD53-5D4EDAB3DC33}" type="datetimeFigureOut">
               <a:rPr lang="en-US" smtClean="0"/>
-              <a:t>10/29/2024</a:t>
+              <a:t>10/30/2024</a:t>
             </a:fld>
             <a:endParaRPr lang="en-US"/>
           </a:p>
@@ -1824,13 +1616,7 @@
       </p:sp>
       <p:sp>
         <p:nvSpPr>
-          <p:cNvPr id="8" name="Footer Placeholder 7">
-            <a:extLst>
-              <a:ext uri="{FF2B5EF4-FFF2-40B4-BE49-F238E27FC236}">
-                <a16:creationId xmlns:a16="http://schemas.microsoft.com/office/drawing/2014/main" id="{F4A0D922-4C43-F05A-02E3-5803C0BA6DEC}"/>
-              </a:ext>
-            </a:extLst>
-          </p:cNvPr>
+          <p:cNvPr id="8" name="Footer Placeholder 7"/>
           <p:cNvSpPr>
             <a:spLocks noGrp="1"/>
           </p:cNvSpPr>
@@ -1849,13 +1635,7 @@
       </p:sp>
       <p:sp>
         <p:nvSpPr>
-          <p:cNvPr id="9" name="Slide Number Placeholder 8">
-            <a:extLst>
-              <a:ext uri="{FF2B5EF4-FFF2-40B4-BE49-F238E27FC236}">
-                <a16:creationId xmlns:a16="http://schemas.microsoft.com/office/drawing/2014/main" id="{F54694F8-CA73-B3FE-2934-A5E339926ABC}"/>
-              </a:ext>
-            </a:extLst>
-          </p:cNvPr>
+          <p:cNvPr id="9" name="Slide Number Placeholder 8"/>
           <p:cNvSpPr>
             <a:spLocks noGrp="1"/>
           </p:cNvSpPr>
@@ -1879,7 +1659,7 @@
     </p:spTree>
     <p:extLst>
       <p:ext uri="{BB962C8B-B14F-4D97-AF65-F5344CB8AC3E}">
-        <p14:creationId xmlns:p14="http://schemas.microsoft.com/office/powerpoint/2010/main" val="3533555924"/>
+        <p14:creationId xmlns:p14="http://schemas.microsoft.com/office/powerpoint/2010/main" val="3922702004"/>
       </p:ext>
     </p:extLst>
   </p:cSld>
@@ -1908,13 +1688,7 @@
       </p:grpSpPr>
       <p:sp>
         <p:nvSpPr>
-          <p:cNvPr id="2" name="Title 1">
-            <a:extLst>
-              <a:ext uri="{FF2B5EF4-FFF2-40B4-BE49-F238E27FC236}">
-                <a16:creationId xmlns:a16="http://schemas.microsoft.com/office/drawing/2014/main" id="{7D850504-8AA7-7DE3-6477-FF74CA364390}"/>
-              </a:ext>
-            </a:extLst>
-          </p:cNvPr>
+          <p:cNvPr id="2" name="Title 1"/>
           <p:cNvSpPr>
             <a:spLocks noGrp="1"/>
           </p:cNvSpPr>
@@ -1931,18 +1705,13 @@
               <a:rPr lang="en-US"/>
               <a:t>Click to edit Master title style</a:t>
             </a:r>
-          </a:p>
-        </p:txBody>
-      </p:sp>
-      <p:sp>
-        <p:nvSpPr>
-          <p:cNvPr id="3" name="Date Placeholder 2">
-            <a:extLst>
-              <a:ext uri="{FF2B5EF4-FFF2-40B4-BE49-F238E27FC236}">
-                <a16:creationId xmlns:a16="http://schemas.microsoft.com/office/drawing/2014/main" id="{310E6D0D-D28E-E4C7-1F1D-1FDEB7FA15F1}"/>
-              </a:ext>
-            </a:extLst>
-          </p:cNvPr>
+            <a:endParaRPr lang="en-US" dirty="0"/>
+          </a:p>
+        </p:txBody>
+      </p:sp>
+      <p:sp>
+        <p:nvSpPr>
+          <p:cNvPr id="3" name="Date Placeholder 2"/>
           <p:cNvSpPr>
             <a:spLocks noGrp="1"/>
           </p:cNvSpPr>
@@ -1957,7 +1726,7 @@
           <a:p>
             <a:fld id="{9530F64E-2E5C-40CF-BD53-5D4EDAB3DC33}" type="datetimeFigureOut">
               <a:rPr lang="en-US" smtClean="0"/>
-              <a:t>10/29/2024</a:t>
+              <a:t>10/30/2024</a:t>
             </a:fld>
             <a:endParaRPr lang="en-US"/>
           </a:p>
@@ -1965,13 +1734,7 @@
       </p:sp>
       <p:sp>
         <p:nvSpPr>
-          <p:cNvPr id="4" name="Footer Placeholder 3">
-            <a:extLst>
-              <a:ext uri="{FF2B5EF4-FFF2-40B4-BE49-F238E27FC236}">
-                <a16:creationId xmlns:a16="http://schemas.microsoft.com/office/drawing/2014/main" id="{36ED461B-7B0D-C05E-43EC-949653C04FE6}"/>
-              </a:ext>
-            </a:extLst>
-          </p:cNvPr>
+          <p:cNvPr id="4" name="Footer Placeholder 3"/>
           <p:cNvSpPr>
             <a:spLocks noGrp="1"/>
           </p:cNvSpPr>
@@ -1990,13 +1753,7 @@
       </p:sp>
       <p:sp>
         <p:nvSpPr>
-          <p:cNvPr id="5" name="Slide Number Placeholder 4">
-            <a:extLst>
-              <a:ext uri="{FF2B5EF4-FFF2-40B4-BE49-F238E27FC236}">
-                <a16:creationId xmlns:a16="http://schemas.microsoft.com/office/drawing/2014/main" id="{983C12D0-8EA5-95E3-32C3-FF8E22BB29C1}"/>
-              </a:ext>
-            </a:extLst>
-          </p:cNvPr>
+          <p:cNvPr id="5" name="Slide Number Placeholder 4"/>
           <p:cNvSpPr>
             <a:spLocks noGrp="1"/>
           </p:cNvSpPr>
@@ -2020,7 +1777,7 @@
     </p:spTree>
     <p:extLst>
       <p:ext uri="{BB962C8B-B14F-4D97-AF65-F5344CB8AC3E}">
-        <p14:creationId xmlns:p14="http://schemas.microsoft.com/office/powerpoint/2010/main" val="2461493419"/>
+        <p14:creationId xmlns:p14="http://schemas.microsoft.com/office/powerpoint/2010/main" val="263094283"/>
       </p:ext>
     </p:extLst>
   </p:cSld>
@@ -2049,13 +1806,7 @@
       </p:grpSpPr>
       <p:sp>
         <p:nvSpPr>
-          <p:cNvPr id="2" name="Date Placeholder 1">
-            <a:extLst>
-              <a:ext uri="{FF2B5EF4-FFF2-40B4-BE49-F238E27FC236}">
-                <a16:creationId xmlns:a16="http://schemas.microsoft.com/office/drawing/2014/main" id="{6607B84A-D444-615A-0EE3-817EA6D4D323}"/>
-              </a:ext>
-            </a:extLst>
-          </p:cNvPr>
+          <p:cNvPr id="2" name="Date Placeholder 1"/>
           <p:cNvSpPr>
             <a:spLocks noGrp="1"/>
           </p:cNvSpPr>
@@ -2070,7 +1821,7 @@
           <a:p>
             <a:fld id="{9530F64E-2E5C-40CF-BD53-5D4EDAB3DC33}" type="datetimeFigureOut">
               <a:rPr lang="en-US" smtClean="0"/>
-              <a:t>10/29/2024</a:t>
+              <a:t>10/30/2024</a:t>
             </a:fld>
             <a:endParaRPr lang="en-US"/>
           </a:p>
@@ -2078,13 +1829,7 @@
       </p:sp>
       <p:sp>
         <p:nvSpPr>
-          <p:cNvPr id="3" name="Footer Placeholder 2">
-            <a:extLst>
-              <a:ext uri="{FF2B5EF4-FFF2-40B4-BE49-F238E27FC236}">
-                <a16:creationId xmlns:a16="http://schemas.microsoft.com/office/drawing/2014/main" id="{42BEF4FD-D432-FA79-AF96-FC4772D31B21}"/>
-              </a:ext>
-            </a:extLst>
-          </p:cNvPr>
+          <p:cNvPr id="3" name="Footer Placeholder 2"/>
           <p:cNvSpPr>
             <a:spLocks noGrp="1"/>
           </p:cNvSpPr>
@@ -2103,13 +1848,7 @@
       </p:sp>
       <p:sp>
         <p:nvSpPr>
-          <p:cNvPr id="4" name="Slide Number Placeholder 3">
-            <a:extLst>
-              <a:ext uri="{FF2B5EF4-FFF2-40B4-BE49-F238E27FC236}">
-                <a16:creationId xmlns:a16="http://schemas.microsoft.com/office/drawing/2014/main" id="{EF4C7070-6E92-0B2F-3B26-00B638106EE3}"/>
-              </a:ext>
-            </a:extLst>
-          </p:cNvPr>
+          <p:cNvPr id="4" name="Slide Number Placeholder 3"/>
           <p:cNvSpPr>
             <a:spLocks noGrp="1"/>
           </p:cNvSpPr>
@@ -2133,7 +1872,7 @@
     </p:spTree>
     <p:extLst>
       <p:ext uri="{BB962C8B-B14F-4D97-AF65-F5344CB8AC3E}">
-        <p14:creationId xmlns:p14="http://schemas.microsoft.com/office/powerpoint/2010/main" val="334171713"/>
+        <p14:creationId xmlns:p14="http://schemas.microsoft.com/office/powerpoint/2010/main" val="1481782156"/>
       </p:ext>
     </p:extLst>
   </p:cSld>
@@ -2162,13 +1901,7 @@
       </p:grpSpPr>
       <p:sp>
         <p:nvSpPr>
-          <p:cNvPr id="2" name="Title 1">
-            <a:extLst>
-              <a:ext uri="{FF2B5EF4-FFF2-40B4-BE49-F238E27FC236}">
-                <a16:creationId xmlns:a16="http://schemas.microsoft.com/office/drawing/2014/main" id="{A3EECD72-BAE2-1F99-08DB-6EAB254CBAB7}"/>
-              </a:ext>
-            </a:extLst>
-          </p:cNvPr>
+          <p:cNvPr id="2" name="Title 1"/>
           <p:cNvSpPr>
             <a:spLocks noGrp="1"/>
           </p:cNvSpPr>
@@ -2178,75 +1911,164 @@
         </p:nvSpPr>
         <p:spPr>
           <a:xfrm>
-            <a:off x="839788" y="457200"/>
-            <a:ext cx="3932237" cy="1600200"/>
+            <a:off x="1679577" y="914400"/>
+            <a:ext cx="7864474" cy="3200400"/>
           </a:xfrm>
         </p:spPr>
         <p:txBody>
           <a:bodyPr anchor="b"/>
           <a:lstStyle>
             <a:lvl1pPr>
+              <a:defRPr sz="6400"/>
+            </a:lvl1pPr>
+          </a:lstStyle>
+          <a:p>
+            <a:r>
+              <a:rPr lang="en-US"/>
+              <a:t>Click to edit Master title style</a:t>
+            </a:r>
+            <a:endParaRPr lang="en-US" dirty="0"/>
+          </a:p>
+        </p:txBody>
+      </p:sp>
+      <p:sp>
+        <p:nvSpPr>
+          <p:cNvPr id="3" name="Content Placeholder 2"/>
+          <p:cNvSpPr>
+            <a:spLocks noGrp="1"/>
+          </p:cNvSpPr>
+          <p:nvPr>
+            <p:ph idx="1"/>
+          </p:nvPr>
+        </p:nvSpPr>
+        <p:spPr>
+          <a:xfrm>
+            <a:off x="10366376" y="1974851"/>
+            <a:ext cx="12344400" cy="9747250"/>
+          </a:xfrm>
+        </p:spPr>
+        <p:txBody>
+          <a:bodyPr/>
+          <a:lstStyle>
+            <a:lvl1pPr>
+              <a:defRPr sz="6400"/>
+            </a:lvl1pPr>
+            <a:lvl2pPr>
+              <a:defRPr sz="5600"/>
+            </a:lvl2pPr>
+            <a:lvl3pPr>
+              <a:defRPr sz="4800"/>
+            </a:lvl3pPr>
+            <a:lvl4pPr>
+              <a:defRPr sz="4000"/>
+            </a:lvl4pPr>
+            <a:lvl5pPr>
+              <a:defRPr sz="4000"/>
+            </a:lvl5pPr>
+            <a:lvl6pPr>
+              <a:defRPr sz="4000"/>
+            </a:lvl6pPr>
+            <a:lvl7pPr>
+              <a:defRPr sz="4000"/>
+            </a:lvl7pPr>
+            <a:lvl8pPr>
+              <a:defRPr sz="4000"/>
+            </a:lvl8pPr>
+            <a:lvl9pPr>
+              <a:defRPr sz="4000"/>
+            </a:lvl9pPr>
+          </a:lstStyle>
+          <a:p>
+            <a:pPr lvl="0"/>
+            <a:r>
+              <a:rPr lang="en-US"/>
+              <a:t>Click to edit Master text styles</a:t>
+            </a:r>
+          </a:p>
+          <a:p>
+            <a:pPr lvl="1"/>
+            <a:r>
+              <a:rPr lang="en-US"/>
+              <a:t>Second level</a:t>
+            </a:r>
+          </a:p>
+          <a:p>
+            <a:pPr lvl="2"/>
+            <a:r>
+              <a:rPr lang="en-US"/>
+              <a:t>Third level</a:t>
+            </a:r>
+          </a:p>
+          <a:p>
+            <a:pPr lvl="3"/>
+            <a:r>
+              <a:rPr lang="en-US"/>
+              <a:t>Fourth level</a:t>
+            </a:r>
+          </a:p>
+          <a:p>
+            <a:pPr lvl="4"/>
+            <a:r>
+              <a:rPr lang="en-US"/>
+              <a:t>Fifth level</a:t>
+            </a:r>
+            <a:endParaRPr lang="en-US" dirty="0"/>
+          </a:p>
+        </p:txBody>
+      </p:sp>
+      <p:sp>
+        <p:nvSpPr>
+          <p:cNvPr id="4" name="Text Placeholder 3"/>
+          <p:cNvSpPr>
+            <a:spLocks noGrp="1"/>
+          </p:cNvSpPr>
+          <p:nvPr>
+            <p:ph type="body" sz="half" idx="2"/>
+          </p:nvPr>
+        </p:nvSpPr>
+        <p:spPr>
+          <a:xfrm>
+            <a:off x="1679577" y="4114800"/>
+            <a:ext cx="7864474" cy="7623176"/>
+          </a:xfrm>
+        </p:spPr>
+        <p:txBody>
+          <a:bodyPr/>
+          <a:lstStyle>
+            <a:lvl1pPr marL="0" indent="0">
+              <a:buNone/>
               <a:defRPr sz="3200"/>
             </a:lvl1pPr>
-          </a:lstStyle>
-          <a:p>
-            <a:r>
-              <a:rPr lang="en-US"/>
-              <a:t>Click to edit Master title style</a:t>
-            </a:r>
-          </a:p>
-        </p:txBody>
-      </p:sp>
-      <p:sp>
-        <p:nvSpPr>
-          <p:cNvPr id="3" name="Content Placeholder 2">
-            <a:extLst>
-              <a:ext uri="{FF2B5EF4-FFF2-40B4-BE49-F238E27FC236}">
-                <a16:creationId xmlns:a16="http://schemas.microsoft.com/office/drawing/2014/main" id="{FC451655-3BE4-3332-0F0C-B10F0E57C115}"/>
-              </a:ext>
-            </a:extLst>
-          </p:cNvPr>
-          <p:cNvSpPr>
-            <a:spLocks noGrp="1"/>
-          </p:cNvSpPr>
-          <p:nvPr>
-            <p:ph idx="1"/>
-          </p:nvPr>
-        </p:nvSpPr>
-        <p:spPr>
-          <a:xfrm>
-            <a:off x="5183188" y="987425"/>
-            <a:ext cx="6172200" cy="4873625"/>
-          </a:xfrm>
-        </p:spPr>
-        <p:txBody>
-          <a:bodyPr/>
-          <a:lstStyle>
-            <a:lvl1pPr>
-              <a:defRPr sz="3200"/>
-            </a:lvl1pPr>
-            <a:lvl2pPr>
+            <a:lvl2pPr marL="914400" indent="0">
+              <a:buNone/>
               <a:defRPr sz="2800"/>
             </a:lvl2pPr>
-            <a:lvl3pPr>
+            <a:lvl3pPr marL="1828800" indent="0">
+              <a:buNone/>
               <a:defRPr sz="2400"/>
             </a:lvl3pPr>
-            <a:lvl4pPr>
+            <a:lvl4pPr marL="2743200" indent="0">
+              <a:buNone/>
               <a:defRPr sz="2000"/>
             </a:lvl4pPr>
-            <a:lvl5pPr>
+            <a:lvl5pPr marL="3657600" indent="0">
+              <a:buNone/>
               <a:defRPr sz="2000"/>
             </a:lvl5pPr>
-            <a:lvl6pPr>
+            <a:lvl6pPr marL="4572000" indent="0">
+              <a:buNone/>
               <a:defRPr sz="2000"/>
             </a:lvl6pPr>
-            <a:lvl7pPr>
+            <a:lvl7pPr marL="5486400" indent="0">
+              <a:buNone/>
               <a:defRPr sz="2000"/>
             </a:lvl7pPr>
-            <a:lvl8pPr>
+            <a:lvl8pPr marL="6400800" indent="0">
+              <a:buNone/>
               <a:defRPr sz="2000"/>
             </a:lvl8pPr>
-            <a:lvl9pPr>
+            <a:lvl9pPr marL="7315200" indent="0">
+              <a:buNone/>
               <a:defRPr sz="2000"/>
             </a:lvl9pPr>
           </a:lstStyle>
@@ -2257,116 +2079,11 @@
               <a:t>Click to edit Master text styles</a:t>
             </a:r>
           </a:p>
-          <a:p>
-            <a:pPr lvl="1"/>
-            <a:r>
-              <a:rPr lang="en-US"/>
-              <a:t>Second level</a:t>
-            </a:r>
-          </a:p>
-          <a:p>
-            <a:pPr lvl="2"/>
-            <a:r>
-              <a:rPr lang="en-US"/>
-              <a:t>Third level</a:t>
-            </a:r>
-          </a:p>
-          <a:p>
-            <a:pPr lvl="3"/>
-            <a:r>
-              <a:rPr lang="en-US"/>
-              <a:t>Fourth level</a:t>
-            </a:r>
-          </a:p>
-          <a:p>
-            <a:pPr lvl="4"/>
-            <a:r>
-              <a:rPr lang="en-US"/>
-              <a:t>Fifth level</a:t>
-            </a:r>
-          </a:p>
-        </p:txBody>
-      </p:sp>
-      <p:sp>
-        <p:nvSpPr>
-          <p:cNvPr id="4" name="Text Placeholder 3">
-            <a:extLst>
-              <a:ext uri="{FF2B5EF4-FFF2-40B4-BE49-F238E27FC236}">
-                <a16:creationId xmlns:a16="http://schemas.microsoft.com/office/drawing/2014/main" id="{836A88C9-45F0-D814-F114-8CCEE615A6A6}"/>
-              </a:ext>
-            </a:extLst>
-          </p:cNvPr>
-          <p:cNvSpPr>
-            <a:spLocks noGrp="1"/>
-          </p:cNvSpPr>
-          <p:nvPr>
-            <p:ph type="body" sz="half" idx="2"/>
-          </p:nvPr>
-        </p:nvSpPr>
-        <p:spPr>
-          <a:xfrm>
-            <a:off x="839788" y="2057400"/>
-            <a:ext cx="3932237" cy="3811588"/>
-          </a:xfrm>
-        </p:spPr>
-        <p:txBody>
-          <a:bodyPr/>
-          <a:lstStyle>
-            <a:lvl1pPr marL="0" indent="0">
-              <a:buNone/>
-              <a:defRPr sz="1600"/>
-            </a:lvl1pPr>
-            <a:lvl2pPr marL="457200" indent="0">
-              <a:buNone/>
-              <a:defRPr sz="1400"/>
-            </a:lvl2pPr>
-            <a:lvl3pPr marL="914400" indent="0">
-              <a:buNone/>
-              <a:defRPr sz="1200"/>
-            </a:lvl3pPr>
-            <a:lvl4pPr marL="1371600" indent="0">
-              <a:buNone/>
-              <a:defRPr sz="1000"/>
-            </a:lvl4pPr>
-            <a:lvl5pPr marL="1828800" indent="0">
-              <a:buNone/>
-              <a:defRPr sz="1000"/>
-            </a:lvl5pPr>
-            <a:lvl6pPr marL="2286000" indent="0">
-              <a:buNone/>
-              <a:defRPr sz="1000"/>
-            </a:lvl6pPr>
-            <a:lvl7pPr marL="2743200" indent="0">
-              <a:buNone/>
-              <a:defRPr sz="1000"/>
-            </a:lvl7pPr>
-            <a:lvl8pPr marL="3200400" indent="0">
-              <a:buNone/>
-              <a:defRPr sz="1000"/>
-            </a:lvl8pPr>
-            <a:lvl9pPr marL="3657600" indent="0">
-              <a:buNone/>
-              <a:defRPr sz="1000"/>
-            </a:lvl9pPr>
-          </a:lstStyle>
-          <a:p>
-            <a:pPr lvl="0"/>
-            <a:r>
-              <a:rPr lang="en-US"/>
-              <a:t>Click to edit Master text styles</a:t>
-            </a:r>
-          </a:p>
-        </p:txBody>
-      </p:sp>
-      <p:sp>
-        <p:nvSpPr>
-          <p:cNvPr id="5" name="Date Placeholder 4">
-            <a:extLst>
-              <a:ext uri="{FF2B5EF4-FFF2-40B4-BE49-F238E27FC236}">
-                <a16:creationId xmlns:a16="http://schemas.microsoft.com/office/drawing/2014/main" id="{6AD3AB7E-E8AE-6700-DD30-D00F8EE9E205}"/>
-              </a:ext>
-            </a:extLst>
-          </p:cNvPr>
+        </p:txBody>
+      </p:sp>
+      <p:sp>
+        <p:nvSpPr>
+          <p:cNvPr id="5" name="Date Placeholder 4"/>
           <p:cNvSpPr>
             <a:spLocks noGrp="1"/>
           </p:cNvSpPr>
@@ -2381,7 +2098,7 @@
           <a:p>
             <a:fld id="{9530F64E-2E5C-40CF-BD53-5D4EDAB3DC33}" type="datetimeFigureOut">
               <a:rPr lang="en-US" smtClean="0"/>
-              <a:t>10/29/2024</a:t>
+              <a:t>10/30/2024</a:t>
             </a:fld>
             <a:endParaRPr lang="en-US"/>
           </a:p>
@@ -2389,13 +2106,7 @@
       </p:sp>
       <p:sp>
         <p:nvSpPr>
-          <p:cNvPr id="6" name="Footer Placeholder 5">
-            <a:extLst>
-              <a:ext uri="{FF2B5EF4-FFF2-40B4-BE49-F238E27FC236}">
-                <a16:creationId xmlns:a16="http://schemas.microsoft.com/office/drawing/2014/main" id="{F2D21C47-CA7C-DD0B-3F9D-DE33EA4F606E}"/>
-              </a:ext>
-            </a:extLst>
-          </p:cNvPr>
+          <p:cNvPr id="6" name="Footer Placeholder 5"/>
           <p:cNvSpPr>
             <a:spLocks noGrp="1"/>
           </p:cNvSpPr>
@@ -2414,13 +2125,7 @@
       </p:sp>
       <p:sp>
         <p:nvSpPr>
-          <p:cNvPr id="7" name="Slide Number Placeholder 6">
-            <a:extLst>
-              <a:ext uri="{FF2B5EF4-FFF2-40B4-BE49-F238E27FC236}">
-                <a16:creationId xmlns:a16="http://schemas.microsoft.com/office/drawing/2014/main" id="{AF06052C-8BE1-E867-D97A-8995C17EAA89}"/>
-              </a:ext>
-            </a:extLst>
-          </p:cNvPr>
+          <p:cNvPr id="7" name="Slide Number Placeholder 6"/>
           <p:cNvSpPr>
             <a:spLocks noGrp="1"/>
           </p:cNvSpPr>
@@ -2444,7 +2149,7 @@
     </p:spTree>
     <p:extLst>
       <p:ext uri="{BB962C8B-B14F-4D97-AF65-F5344CB8AC3E}">
-        <p14:creationId xmlns:p14="http://schemas.microsoft.com/office/powerpoint/2010/main" val="3567655087"/>
+        <p14:creationId xmlns:p14="http://schemas.microsoft.com/office/powerpoint/2010/main" val="1186739990"/>
       </p:ext>
     </p:extLst>
   </p:cSld>
@@ -2473,13 +2178,7 @@
       </p:grpSpPr>
       <p:sp>
         <p:nvSpPr>
-          <p:cNvPr id="2" name="Title 1">
-            <a:extLst>
-              <a:ext uri="{FF2B5EF4-FFF2-40B4-BE49-F238E27FC236}">
-                <a16:creationId xmlns:a16="http://schemas.microsoft.com/office/drawing/2014/main" id="{88260199-288D-2F90-E4D0-60B68764786F}"/>
-              </a:ext>
-            </a:extLst>
-          </p:cNvPr>
+          <p:cNvPr id="2" name="Title 1"/>
           <p:cNvSpPr>
             <a:spLocks noGrp="1"/>
           </p:cNvSpPr>
@@ -2489,155 +2188,148 @@
         </p:nvSpPr>
         <p:spPr>
           <a:xfrm>
-            <a:off x="839788" y="457200"/>
-            <a:ext cx="3932237" cy="1600200"/>
+            <a:off x="1679577" y="914400"/>
+            <a:ext cx="7864474" cy="3200400"/>
           </a:xfrm>
         </p:spPr>
         <p:txBody>
           <a:bodyPr anchor="b"/>
           <a:lstStyle>
             <a:lvl1pPr>
+              <a:defRPr sz="6400"/>
+            </a:lvl1pPr>
+          </a:lstStyle>
+          <a:p>
+            <a:r>
+              <a:rPr lang="en-US"/>
+              <a:t>Click to edit Master title style</a:t>
+            </a:r>
+            <a:endParaRPr lang="en-US" dirty="0"/>
+          </a:p>
+        </p:txBody>
+      </p:sp>
+      <p:sp>
+        <p:nvSpPr>
+          <p:cNvPr id="3" name="Picture Placeholder 2"/>
+          <p:cNvSpPr>
+            <a:spLocks noGrp="1" noChangeAspect="1"/>
+          </p:cNvSpPr>
+          <p:nvPr>
+            <p:ph type="pic" idx="1"/>
+          </p:nvPr>
+        </p:nvSpPr>
+        <p:spPr>
+          <a:xfrm>
+            <a:off x="10366376" y="1974851"/>
+            <a:ext cx="12344400" cy="9747250"/>
+          </a:xfrm>
+        </p:spPr>
+        <p:txBody>
+          <a:bodyPr anchor="t"/>
+          <a:lstStyle>
+            <a:lvl1pPr marL="0" indent="0">
+              <a:buNone/>
+              <a:defRPr sz="6400"/>
+            </a:lvl1pPr>
+            <a:lvl2pPr marL="914400" indent="0">
+              <a:buNone/>
+              <a:defRPr sz="5600"/>
+            </a:lvl2pPr>
+            <a:lvl3pPr marL="1828800" indent="0">
+              <a:buNone/>
+              <a:defRPr sz="4800"/>
+            </a:lvl3pPr>
+            <a:lvl4pPr marL="2743200" indent="0">
+              <a:buNone/>
+              <a:defRPr sz="4000"/>
+            </a:lvl4pPr>
+            <a:lvl5pPr marL="3657600" indent="0">
+              <a:buNone/>
+              <a:defRPr sz="4000"/>
+            </a:lvl5pPr>
+            <a:lvl6pPr marL="4572000" indent="0">
+              <a:buNone/>
+              <a:defRPr sz="4000"/>
+            </a:lvl6pPr>
+            <a:lvl7pPr marL="5486400" indent="0">
+              <a:buNone/>
+              <a:defRPr sz="4000"/>
+            </a:lvl7pPr>
+            <a:lvl8pPr marL="6400800" indent="0">
+              <a:buNone/>
+              <a:defRPr sz="4000"/>
+            </a:lvl8pPr>
+            <a:lvl9pPr marL="7315200" indent="0">
+              <a:buNone/>
+              <a:defRPr sz="4000"/>
+            </a:lvl9pPr>
+          </a:lstStyle>
+          <a:p>
+            <a:r>
+              <a:rPr lang="en-US"/>
+              <a:t>Click icon to add picture</a:t>
+            </a:r>
+            <a:endParaRPr lang="en-US" dirty="0"/>
+          </a:p>
+        </p:txBody>
+      </p:sp>
+      <p:sp>
+        <p:nvSpPr>
+          <p:cNvPr id="4" name="Text Placeholder 3"/>
+          <p:cNvSpPr>
+            <a:spLocks noGrp="1"/>
+          </p:cNvSpPr>
+          <p:nvPr>
+            <p:ph type="body" sz="half" idx="2"/>
+          </p:nvPr>
+        </p:nvSpPr>
+        <p:spPr>
+          <a:xfrm>
+            <a:off x="1679577" y="4114800"/>
+            <a:ext cx="7864474" cy="7623176"/>
+          </a:xfrm>
+        </p:spPr>
+        <p:txBody>
+          <a:bodyPr/>
+          <a:lstStyle>
+            <a:lvl1pPr marL="0" indent="0">
+              <a:buNone/>
               <a:defRPr sz="3200"/>
             </a:lvl1pPr>
-          </a:lstStyle>
-          <a:p>
-            <a:r>
-              <a:rPr lang="en-US"/>
-              <a:t>Click to edit Master title style</a:t>
-            </a:r>
-          </a:p>
-        </p:txBody>
-      </p:sp>
-      <p:sp>
-        <p:nvSpPr>
-          <p:cNvPr id="3" name="Picture Placeholder 2">
-            <a:extLst>
-              <a:ext uri="{FF2B5EF4-FFF2-40B4-BE49-F238E27FC236}">
-                <a16:creationId xmlns:a16="http://schemas.microsoft.com/office/drawing/2014/main" id="{F1E28F09-29C7-8568-7820-CE18BCD0618A}"/>
-              </a:ext>
-            </a:extLst>
-          </p:cNvPr>
-          <p:cNvSpPr>
-            <a:spLocks noGrp="1"/>
-          </p:cNvSpPr>
-          <p:nvPr>
-            <p:ph type="pic" idx="1"/>
-          </p:nvPr>
-        </p:nvSpPr>
-        <p:spPr>
-          <a:xfrm>
-            <a:off x="5183188" y="987425"/>
-            <a:ext cx="6172200" cy="4873625"/>
-          </a:xfrm>
-        </p:spPr>
-        <p:txBody>
-          <a:bodyPr/>
-          <a:lstStyle>
-            <a:lvl1pPr marL="0" indent="0">
-              <a:buNone/>
-              <a:defRPr sz="3200"/>
-            </a:lvl1pPr>
-            <a:lvl2pPr marL="457200" indent="0">
+            <a:lvl2pPr marL="914400" indent="0">
               <a:buNone/>
               <a:defRPr sz="2800"/>
             </a:lvl2pPr>
-            <a:lvl3pPr marL="914400" indent="0">
+            <a:lvl3pPr marL="1828800" indent="0">
               <a:buNone/>
               <a:defRPr sz="2400"/>
             </a:lvl3pPr>
-            <a:lvl4pPr marL="1371600" indent="0">
+            <a:lvl4pPr marL="2743200" indent="0">
               <a:buNone/>
               <a:defRPr sz="2000"/>
             </a:lvl4pPr>
-            <a:lvl5pPr marL="1828800" indent="0">
+            <a:lvl5pPr marL="3657600" indent="0">
               <a:buNone/>
               <a:defRPr sz="2000"/>
             </a:lvl5pPr>
-            <a:lvl6pPr marL="2286000" indent="0">
+            <a:lvl6pPr marL="4572000" indent="0">
               <a:buNone/>
               <a:defRPr sz="2000"/>
             </a:lvl6pPr>
-            <a:lvl7pPr marL="2743200" indent="0">
+            <a:lvl7pPr marL="5486400" indent="0">
               <a:buNone/>
               <a:defRPr sz="2000"/>
             </a:lvl7pPr>
-            <a:lvl8pPr marL="3200400" indent="0">
+            <a:lvl8pPr marL="6400800" indent="0">
               <a:buNone/>
               <a:defRPr sz="2000"/>
             </a:lvl8pPr>
-            <a:lvl9pPr marL="3657600" indent="0">
+            <a:lvl9pPr marL="7315200" indent="0">
               <a:buNone/>
               <a:defRPr sz="2000"/>
             </a:lvl9pPr>
           </a:lstStyle>
           <a:p>
-            <a:endParaRPr lang="en-US"/>
-          </a:p>
-        </p:txBody>
-      </p:sp>
-      <p:sp>
-        <p:nvSpPr>
-          <p:cNvPr id="4" name="Text Placeholder 3">
-            <a:extLst>
-              <a:ext uri="{FF2B5EF4-FFF2-40B4-BE49-F238E27FC236}">
-                <a16:creationId xmlns:a16="http://schemas.microsoft.com/office/drawing/2014/main" id="{369885E9-93BA-7B8A-B080-C8AE9C4A8C17}"/>
-              </a:ext>
-            </a:extLst>
-          </p:cNvPr>
-          <p:cNvSpPr>
-            <a:spLocks noGrp="1"/>
-          </p:cNvSpPr>
-          <p:nvPr>
-            <p:ph type="body" sz="half" idx="2"/>
-          </p:nvPr>
-        </p:nvSpPr>
-        <p:spPr>
-          <a:xfrm>
-            <a:off x="839788" y="2057400"/>
-            <a:ext cx="3932237" cy="3811588"/>
-          </a:xfrm>
-        </p:spPr>
-        <p:txBody>
-          <a:bodyPr/>
-          <a:lstStyle>
-            <a:lvl1pPr marL="0" indent="0">
-              <a:buNone/>
-              <a:defRPr sz="1600"/>
-            </a:lvl1pPr>
-            <a:lvl2pPr marL="457200" indent="0">
-              <a:buNone/>
-              <a:defRPr sz="1400"/>
-            </a:lvl2pPr>
-            <a:lvl3pPr marL="914400" indent="0">
-              <a:buNone/>
-              <a:defRPr sz="1200"/>
-            </a:lvl3pPr>
-            <a:lvl4pPr marL="1371600" indent="0">
-              <a:buNone/>
-              <a:defRPr sz="1000"/>
-            </a:lvl4pPr>
-            <a:lvl5pPr marL="1828800" indent="0">
-              <a:buNone/>
-              <a:defRPr sz="1000"/>
-            </a:lvl5pPr>
-            <a:lvl6pPr marL="2286000" indent="0">
-              <a:buNone/>
-              <a:defRPr sz="1000"/>
-            </a:lvl6pPr>
-            <a:lvl7pPr marL="2743200" indent="0">
-              <a:buNone/>
-              <a:defRPr sz="1000"/>
-            </a:lvl7pPr>
-            <a:lvl8pPr marL="3200400" indent="0">
-              <a:buNone/>
-              <a:defRPr sz="1000"/>
-            </a:lvl8pPr>
-            <a:lvl9pPr marL="3657600" indent="0">
-              <a:buNone/>
-              <a:defRPr sz="1000"/>
-            </a:lvl9pPr>
-          </a:lstStyle>
-          <a:p>
             <a:pPr lvl="0"/>
             <a:r>
               <a:rPr lang="en-US"/>
@@ -2648,13 +2340,7 @@
       </p:sp>
       <p:sp>
         <p:nvSpPr>
-          <p:cNvPr id="5" name="Date Placeholder 4">
-            <a:extLst>
-              <a:ext uri="{FF2B5EF4-FFF2-40B4-BE49-F238E27FC236}">
-                <a16:creationId xmlns:a16="http://schemas.microsoft.com/office/drawing/2014/main" id="{28EB78DE-132B-34CA-E041-3E8F5D506BA4}"/>
-              </a:ext>
-            </a:extLst>
-          </p:cNvPr>
+          <p:cNvPr id="5" name="Date Placeholder 4"/>
           <p:cNvSpPr>
             <a:spLocks noGrp="1"/>
           </p:cNvSpPr>
@@ -2669,7 +2355,7 @@
           <a:p>
             <a:fld id="{9530F64E-2E5C-40CF-BD53-5D4EDAB3DC33}" type="datetimeFigureOut">
               <a:rPr lang="en-US" smtClean="0"/>
-              <a:t>10/29/2024</a:t>
+              <a:t>10/30/2024</a:t>
             </a:fld>
             <a:endParaRPr lang="en-US"/>
           </a:p>
@@ -2677,13 +2363,7 @@
       </p:sp>
       <p:sp>
         <p:nvSpPr>
-          <p:cNvPr id="6" name="Footer Placeholder 5">
-            <a:extLst>
-              <a:ext uri="{FF2B5EF4-FFF2-40B4-BE49-F238E27FC236}">
-                <a16:creationId xmlns:a16="http://schemas.microsoft.com/office/drawing/2014/main" id="{32FB88F4-6707-0EAC-51AC-D451A0D3AD08}"/>
-              </a:ext>
-            </a:extLst>
-          </p:cNvPr>
+          <p:cNvPr id="6" name="Footer Placeholder 5"/>
           <p:cNvSpPr>
             <a:spLocks noGrp="1"/>
           </p:cNvSpPr>
@@ -2702,13 +2382,7 @@
       </p:sp>
       <p:sp>
         <p:nvSpPr>
-          <p:cNvPr id="7" name="Slide Number Placeholder 6">
-            <a:extLst>
-              <a:ext uri="{FF2B5EF4-FFF2-40B4-BE49-F238E27FC236}">
-                <a16:creationId xmlns:a16="http://schemas.microsoft.com/office/drawing/2014/main" id="{F3DDE0D8-A561-0FCE-218A-7D9C4179C806}"/>
-              </a:ext>
-            </a:extLst>
-          </p:cNvPr>
+          <p:cNvPr id="7" name="Slide Number Placeholder 6"/>
           <p:cNvSpPr>
             <a:spLocks noGrp="1"/>
           </p:cNvSpPr>
@@ -2732,7 +2406,7 @@
     </p:spTree>
     <p:extLst>
       <p:ext uri="{BB962C8B-B14F-4D97-AF65-F5344CB8AC3E}">
-        <p14:creationId xmlns:p14="http://schemas.microsoft.com/office/powerpoint/2010/main" val="4032067190"/>
+        <p14:creationId xmlns:p14="http://schemas.microsoft.com/office/powerpoint/2010/main" val="351677853"/>
       </p:ext>
     </p:extLst>
   </p:cSld>
@@ -2766,13 +2440,7 @@
       </p:grpSpPr>
       <p:sp>
         <p:nvSpPr>
-          <p:cNvPr id="2" name="Title Placeholder 1">
-            <a:extLst>
-              <a:ext uri="{FF2B5EF4-FFF2-40B4-BE49-F238E27FC236}">
-                <a16:creationId xmlns:a16="http://schemas.microsoft.com/office/drawing/2014/main" id="{4E014C6C-3B07-3A5F-B903-6FFC35453587}"/>
-              </a:ext>
-            </a:extLst>
-          </p:cNvPr>
+          <p:cNvPr id="2" name="Title Placeholder 1"/>
           <p:cNvSpPr>
             <a:spLocks noGrp="1"/>
           </p:cNvSpPr>
@@ -2782,8 +2450,8 @@
         </p:nvSpPr>
         <p:spPr>
           <a:xfrm>
-            <a:off x="838200" y="365125"/>
-            <a:ext cx="10515600" cy="1325563"/>
+            <a:off x="1676400" y="730251"/>
+            <a:ext cx="21031200" cy="2651126"/>
           </a:xfrm>
           <a:prstGeom prst="rect">
             <a:avLst/>
@@ -2799,18 +2467,13 @@
               <a:rPr lang="en-US"/>
               <a:t>Click to edit Master title style</a:t>
             </a:r>
-          </a:p>
-        </p:txBody>
-      </p:sp>
-      <p:sp>
-        <p:nvSpPr>
-          <p:cNvPr id="3" name="Text Placeholder 2">
-            <a:extLst>
-              <a:ext uri="{FF2B5EF4-FFF2-40B4-BE49-F238E27FC236}">
-                <a16:creationId xmlns:a16="http://schemas.microsoft.com/office/drawing/2014/main" id="{56D7AF87-F0F7-040E-C34E-FDB7BA0CCDF7}"/>
-              </a:ext>
-            </a:extLst>
-          </p:cNvPr>
+            <a:endParaRPr lang="en-US" dirty="0"/>
+          </a:p>
+        </p:txBody>
+      </p:sp>
+      <p:sp>
+        <p:nvSpPr>
+          <p:cNvPr id="3" name="Text Placeholder 2"/>
           <p:cNvSpPr>
             <a:spLocks noGrp="1"/>
           </p:cNvSpPr>
@@ -2820,8 +2483,8 @@
         </p:nvSpPr>
         <p:spPr>
           <a:xfrm>
-            <a:off x="838200" y="1825625"/>
-            <a:ext cx="10515600" cy="4351338"/>
+            <a:off x="1676400" y="3651250"/>
+            <a:ext cx="21031200" cy="8702676"/>
           </a:xfrm>
           <a:prstGeom prst="rect">
             <a:avLst/>
@@ -2866,18 +2529,13 @@
               <a:rPr lang="en-US"/>
               <a:t>Fifth level</a:t>
             </a:r>
-          </a:p>
-        </p:txBody>
-      </p:sp>
-      <p:sp>
-        <p:nvSpPr>
-          <p:cNvPr id="4" name="Date Placeholder 3">
-            <a:extLst>
-              <a:ext uri="{FF2B5EF4-FFF2-40B4-BE49-F238E27FC236}">
-                <a16:creationId xmlns:a16="http://schemas.microsoft.com/office/drawing/2014/main" id="{9AC669BF-42CE-08A3-6C97-83BEAC190FB1}"/>
-              </a:ext>
-            </a:extLst>
-          </p:cNvPr>
+            <a:endParaRPr lang="en-US" dirty="0"/>
+          </a:p>
+        </p:txBody>
+      </p:sp>
+      <p:sp>
+        <p:nvSpPr>
+          <p:cNvPr id="4" name="Date Placeholder 3"/>
           <p:cNvSpPr>
             <a:spLocks noGrp="1"/>
           </p:cNvSpPr>
@@ -2887,8 +2545,8 @@
         </p:nvSpPr>
         <p:spPr>
           <a:xfrm>
-            <a:off x="838200" y="6356350"/>
-            <a:ext cx="2743200" cy="365125"/>
+            <a:off x="1676400" y="12712701"/>
+            <a:ext cx="5486400" cy="730250"/>
           </a:xfrm>
           <a:prstGeom prst="rect">
             <a:avLst/>
@@ -2898,7 +2556,7 @@
           <a:bodyPr vert="horz" lIns="91440" tIns="45720" rIns="91440" bIns="45720" rtlCol="0" anchor="ctr"/>
           <a:lstStyle>
             <a:lvl1pPr algn="l">
-              <a:defRPr sz="1200">
+              <a:defRPr sz="2400">
                 <a:solidFill>
                   <a:schemeClr val="tx1">
                     <a:tint val="82000"/>
@@ -2910,7 +2568,7 @@
           <a:p>
             <a:fld id="{9530F64E-2E5C-40CF-BD53-5D4EDAB3DC33}" type="datetimeFigureOut">
               <a:rPr lang="en-US" smtClean="0"/>
-              <a:t>10/29/2024</a:t>
+              <a:t>10/30/2024</a:t>
             </a:fld>
             <a:endParaRPr lang="en-US"/>
           </a:p>
@@ -2918,13 +2576,7 @@
       </p:sp>
       <p:sp>
         <p:nvSpPr>
-          <p:cNvPr id="5" name="Footer Placeholder 4">
-            <a:extLst>
-              <a:ext uri="{FF2B5EF4-FFF2-40B4-BE49-F238E27FC236}">
-                <a16:creationId xmlns:a16="http://schemas.microsoft.com/office/drawing/2014/main" id="{A37070E2-B61E-5573-5E51-DA055CBE826B}"/>
-              </a:ext>
-            </a:extLst>
-          </p:cNvPr>
+          <p:cNvPr id="5" name="Footer Placeholder 4"/>
           <p:cNvSpPr>
             <a:spLocks noGrp="1"/>
           </p:cNvSpPr>
@@ -2934,8 +2586,8 @@
         </p:nvSpPr>
         <p:spPr>
           <a:xfrm>
-            <a:off x="4038600" y="6356350"/>
-            <a:ext cx="4114800" cy="365125"/>
+            <a:off x="8077200" y="12712701"/>
+            <a:ext cx="8229600" cy="730250"/>
           </a:xfrm>
           <a:prstGeom prst="rect">
             <a:avLst/>
@@ -2945,7 +2597,7 @@
           <a:bodyPr vert="horz" lIns="91440" tIns="45720" rIns="91440" bIns="45720" rtlCol="0" anchor="ctr"/>
           <a:lstStyle>
             <a:lvl1pPr algn="ctr">
-              <a:defRPr sz="1200">
+              <a:defRPr sz="2400">
                 <a:solidFill>
                   <a:schemeClr val="tx1">
                     <a:tint val="82000"/>
@@ -2961,13 +2613,7 @@
       </p:sp>
       <p:sp>
         <p:nvSpPr>
-          <p:cNvPr id="6" name="Slide Number Placeholder 5">
-            <a:extLst>
-              <a:ext uri="{FF2B5EF4-FFF2-40B4-BE49-F238E27FC236}">
-                <a16:creationId xmlns:a16="http://schemas.microsoft.com/office/drawing/2014/main" id="{9E61A9BE-EC81-E314-6257-58242F1E2DB6}"/>
-              </a:ext>
-            </a:extLst>
-          </p:cNvPr>
+          <p:cNvPr id="6" name="Slide Number Placeholder 5"/>
           <p:cNvSpPr>
             <a:spLocks noGrp="1"/>
           </p:cNvSpPr>
@@ -2977,8 +2623,8 @@
         </p:nvSpPr>
         <p:spPr>
           <a:xfrm>
-            <a:off x="8610600" y="6356350"/>
-            <a:ext cx="2743200" cy="365125"/>
+            <a:off x="17221200" y="12712701"/>
+            <a:ext cx="5486400" cy="730250"/>
           </a:xfrm>
           <a:prstGeom prst="rect">
             <a:avLst/>
@@ -2988,7 +2634,7 @@
           <a:bodyPr vert="horz" lIns="91440" tIns="45720" rIns="91440" bIns="45720" rtlCol="0" anchor="ctr"/>
           <a:lstStyle>
             <a:lvl1pPr algn="r">
-              <a:defRPr sz="1200">
+              <a:defRPr sz="2400">
                 <a:solidFill>
                   <a:schemeClr val="tx1">
                     <a:tint val="82000"/>
@@ -3009,27 +2655,27 @@
     </p:spTree>
     <p:extLst>
       <p:ext uri="{BB962C8B-B14F-4D97-AF65-F5344CB8AC3E}">
-        <p14:creationId xmlns:p14="http://schemas.microsoft.com/office/powerpoint/2010/main" val="128645231"/>
+        <p14:creationId xmlns:p14="http://schemas.microsoft.com/office/powerpoint/2010/main" val="2792606867"/>
       </p:ext>
     </p:extLst>
   </p:cSld>
   <p:clrMap bg1="lt1" tx1="dk1" bg2="lt2" tx2="dk2" accent1="accent1" accent2="accent2" accent3="accent3" accent4="accent4" accent5="accent5" accent6="accent6" hlink="hlink" folHlink="folHlink"/>
   <p:sldLayoutIdLst>
-    <p:sldLayoutId id="2147483649" r:id="rId1"/>
-    <p:sldLayoutId id="2147483650" r:id="rId2"/>
-    <p:sldLayoutId id="2147483651" r:id="rId3"/>
-    <p:sldLayoutId id="2147483652" r:id="rId4"/>
-    <p:sldLayoutId id="2147483653" r:id="rId5"/>
-    <p:sldLayoutId id="2147483654" r:id="rId6"/>
-    <p:sldLayoutId id="2147483655" r:id="rId7"/>
-    <p:sldLayoutId id="2147483656" r:id="rId8"/>
-    <p:sldLayoutId id="2147483657" r:id="rId9"/>
-    <p:sldLayoutId id="2147483658" r:id="rId10"/>
-    <p:sldLayoutId id="2147483659" r:id="rId11"/>
+    <p:sldLayoutId id="2147483661" r:id="rId1"/>
+    <p:sldLayoutId id="2147483662" r:id="rId2"/>
+    <p:sldLayoutId id="2147483663" r:id="rId3"/>
+    <p:sldLayoutId id="2147483664" r:id="rId4"/>
+    <p:sldLayoutId id="2147483665" r:id="rId5"/>
+    <p:sldLayoutId id="2147483666" r:id="rId6"/>
+    <p:sldLayoutId id="2147483667" r:id="rId7"/>
+    <p:sldLayoutId id="2147483668" r:id="rId8"/>
+    <p:sldLayoutId id="2147483669" r:id="rId9"/>
+    <p:sldLayoutId id="2147483670" r:id="rId10"/>
+    <p:sldLayoutId id="2147483671" r:id="rId11"/>
   </p:sldLayoutIdLst>
   <p:txStyles>
     <p:titleStyle>
-      <a:lvl1pPr algn="l" defTabSz="914400" rtl="0" eaLnBrk="1" latinLnBrk="0" hangingPunct="1">
+      <a:lvl1pPr algn="l" defTabSz="1828800" rtl="0" eaLnBrk="1" latinLnBrk="0" hangingPunct="1">
         <a:lnSpc>
           <a:spcPct val="90000"/>
         </a:lnSpc>
@@ -3037,7 +2683,7 @@
           <a:spcPct val="0"/>
         </a:spcBef>
         <a:buNone/>
-        <a:defRPr sz="4400" kern="1200">
+        <a:defRPr sz="8800" kern="1200">
           <a:solidFill>
             <a:schemeClr val="tx1"/>
           </a:solidFill>
@@ -3048,7 +2694,25 @@
       </a:lvl1pPr>
     </p:titleStyle>
     <p:bodyStyle>
-      <a:lvl1pPr marL="228600" indent="-228600" algn="l" defTabSz="914400" rtl="0" eaLnBrk="1" latinLnBrk="0" hangingPunct="1">
+      <a:lvl1pPr marL="457200" indent="-457200" algn="l" defTabSz="1828800" rtl="0" eaLnBrk="1" latinLnBrk="0" hangingPunct="1">
+        <a:lnSpc>
+          <a:spcPct val="90000"/>
+        </a:lnSpc>
+        <a:spcBef>
+          <a:spcPts val="2000"/>
+        </a:spcBef>
+        <a:buFont typeface="Arial" panose="020B0604020202020204" pitchFamily="34" charset="0"/>
+        <a:buChar char="•"/>
+        <a:defRPr sz="5600" kern="1200">
+          <a:solidFill>
+            <a:schemeClr val="tx1"/>
+          </a:solidFill>
+          <a:latin typeface="+mn-lt"/>
+          <a:ea typeface="+mn-ea"/>
+          <a:cs typeface="+mn-cs"/>
+        </a:defRPr>
+      </a:lvl1pPr>
+      <a:lvl2pPr marL="1371600" indent="-457200" algn="l" defTabSz="1828800" rtl="0" eaLnBrk="1" latinLnBrk="0" hangingPunct="1">
         <a:lnSpc>
           <a:spcPct val="90000"/>
         </a:lnSpc>
@@ -3057,25 +2721,7 @@
         </a:spcBef>
         <a:buFont typeface="Arial" panose="020B0604020202020204" pitchFamily="34" charset="0"/>
         <a:buChar char="•"/>
-        <a:defRPr sz="2800" kern="1200">
-          <a:solidFill>
-            <a:schemeClr val="tx1"/>
-          </a:solidFill>
-          <a:latin typeface="+mn-lt"/>
-          <a:ea typeface="+mn-ea"/>
-          <a:cs typeface="+mn-cs"/>
-        </a:defRPr>
-      </a:lvl1pPr>
-      <a:lvl2pPr marL="685800" indent="-228600" algn="l" defTabSz="914400" rtl="0" eaLnBrk="1" latinLnBrk="0" hangingPunct="1">
-        <a:lnSpc>
-          <a:spcPct val="90000"/>
-        </a:lnSpc>
-        <a:spcBef>
-          <a:spcPts val="500"/>
-        </a:spcBef>
-        <a:buFont typeface="Arial" panose="020B0604020202020204" pitchFamily="34" charset="0"/>
-        <a:buChar char="•"/>
-        <a:defRPr sz="2400" kern="1200">
+        <a:defRPr sz="4800" kern="1200">
           <a:solidFill>
             <a:schemeClr val="tx1"/>
           </a:solidFill>
@@ -3084,16 +2730,16 @@
           <a:cs typeface="+mn-cs"/>
         </a:defRPr>
       </a:lvl2pPr>
-      <a:lvl3pPr marL="1143000" indent="-228600" algn="l" defTabSz="914400" rtl="0" eaLnBrk="1" latinLnBrk="0" hangingPunct="1">
+      <a:lvl3pPr marL="2286000" indent="-457200" algn="l" defTabSz="1828800" rtl="0" eaLnBrk="1" latinLnBrk="0" hangingPunct="1">
         <a:lnSpc>
           <a:spcPct val="90000"/>
         </a:lnSpc>
         <a:spcBef>
-          <a:spcPts val="500"/>
+          <a:spcPts val="1000"/>
         </a:spcBef>
         <a:buFont typeface="Arial" panose="020B0604020202020204" pitchFamily="34" charset="0"/>
         <a:buChar char="•"/>
-        <a:defRPr sz="2000" kern="1200">
+        <a:defRPr sz="4000" kern="1200">
           <a:solidFill>
             <a:schemeClr val="tx1"/>
           </a:solidFill>
@@ -3102,16 +2748,16 @@
           <a:cs typeface="+mn-cs"/>
         </a:defRPr>
       </a:lvl3pPr>
-      <a:lvl4pPr marL="1600200" indent="-228600" algn="l" defTabSz="914400" rtl="0" eaLnBrk="1" latinLnBrk="0" hangingPunct="1">
+      <a:lvl4pPr marL="3200400" indent="-457200" algn="l" defTabSz="1828800" rtl="0" eaLnBrk="1" latinLnBrk="0" hangingPunct="1">
         <a:lnSpc>
           <a:spcPct val="90000"/>
         </a:lnSpc>
         <a:spcBef>
-          <a:spcPts val="500"/>
+          <a:spcPts val="1000"/>
         </a:spcBef>
         <a:buFont typeface="Arial" panose="020B0604020202020204" pitchFamily="34" charset="0"/>
         <a:buChar char="•"/>
-        <a:defRPr sz="1800" kern="1200">
+        <a:defRPr sz="3600" kern="1200">
           <a:solidFill>
             <a:schemeClr val="tx1"/>
           </a:solidFill>
@@ -3120,16 +2766,16 @@
           <a:cs typeface="+mn-cs"/>
         </a:defRPr>
       </a:lvl4pPr>
-      <a:lvl5pPr marL="2057400" indent="-228600" algn="l" defTabSz="914400" rtl="0" eaLnBrk="1" latinLnBrk="0" hangingPunct="1">
+      <a:lvl5pPr marL="4114800" indent="-457200" algn="l" defTabSz="1828800" rtl="0" eaLnBrk="1" latinLnBrk="0" hangingPunct="1">
         <a:lnSpc>
           <a:spcPct val="90000"/>
         </a:lnSpc>
         <a:spcBef>
-          <a:spcPts val="500"/>
+          <a:spcPts val="1000"/>
         </a:spcBef>
         <a:buFont typeface="Arial" panose="020B0604020202020204" pitchFamily="34" charset="0"/>
         <a:buChar char="•"/>
-        <a:defRPr sz="1800" kern="1200">
+        <a:defRPr sz="3600" kern="1200">
           <a:solidFill>
             <a:schemeClr val="tx1"/>
           </a:solidFill>
@@ -3138,16 +2784,16 @@
           <a:cs typeface="+mn-cs"/>
         </a:defRPr>
       </a:lvl5pPr>
-      <a:lvl6pPr marL="2514600" indent="-228600" algn="l" defTabSz="914400" rtl="0" eaLnBrk="1" latinLnBrk="0" hangingPunct="1">
+      <a:lvl6pPr marL="5029200" indent="-457200" algn="l" defTabSz="1828800" rtl="0" eaLnBrk="1" latinLnBrk="0" hangingPunct="1">
         <a:lnSpc>
           <a:spcPct val="90000"/>
         </a:lnSpc>
         <a:spcBef>
-          <a:spcPts val="500"/>
+          <a:spcPts val="1000"/>
         </a:spcBef>
         <a:buFont typeface="Arial" panose="020B0604020202020204" pitchFamily="34" charset="0"/>
         <a:buChar char="•"/>
-        <a:defRPr sz="1800" kern="1200">
+        <a:defRPr sz="3600" kern="1200">
           <a:solidFill>
             <a:schemeClr val="tx1"/>
           </a:solidFill>
@@ -3156,16 +2802,16 @@
           <a:cs typeface="+mn-cs"/>
         </a:defRPr>
       </a:lvl6pPr>
-      <a:lvl7pPr marL="2971800" indent="-228600" algn="l" defTabSz="914400" rtl="0" eaLnBrk="1" latinLnBrk="0" hangingPunct="1">
+      <a:lvl7pPr marL="5943600" indent="-457200" algn="l" defTabSz="1828800" rtl="0" eaLnBrk="1" latinLnBrk="0" hangingPunct="1">
         <a:lnSpc>
           <a:spcPct val="90000"/>
         </a:lnSpc>
         <a:spcBef>
-          <a:spcPts val="500"/>
+          <a:spcPts val="1000"/>
         </a:spcBef>
         <a:buFont typeface="Arial" panose="020B0604020202020204" pitchFamily="34" charset="0"/>
         <a:buChar char="•"/>
-        <a:defRPr sz="1800" kern="1200">
+        <a:defRPr sz="3600" kern="1200">
           <a:solidFill>
             <a:schemeClr val="tx1"/>
           </a:solidFill>
@@ -3174,16 +2820,16 @@
           <a:cs typeface="+mn-cs"/>
         </a:defRPr>
       </a:lvl7pPr>
-      <a:lvl8pPr marL="3429000" indent="-228600" algn="l" defTabSz="914400" rtl="0" eaLnBrk="1" latinLnBrk="0" hangingPunct="1">
+      <a:lvl8pPr marL="6858000" indent="-457200" algn="l" defTabSz="1828800" rtl="0" eaLnBrk="1" latinLnBrk="0" hangingPunct="1">
         <a:lnSpc>
           <a:spcPct val="90000"/>
         </a:lnSpc>
         <a:spcBef>
-          <a:spcPts val="500"/>
+          <a:spcPts val="1000"/>
         </a:spcBef>
         <a:buFont typeface="Arial" panose="020B0604020202020204" pitchFamily="34" charset="0"/>
         <a:buChar char="•"/>
-        <a:defRPr sz="1800" kern="1200">
+        <a:defRPr sz="3600" kern="1200">
           <a:solidFill>
             <a:schemeClr val="tx1"/>
           </a:solidFill>
@@ -3192,16 +2838,16 @@
           <a:cs typeface="+mn-cs"/>
         </a:defRPr>
       </a:lvl8pPr>
-      <a:lvl9pPr marL="3886200" indent="-228600" algn="l" defTabSz="914400" rtl="0" eaLnBrk="1" latinLnBrk="0" hangingPunct="1">
+      <a:lvl9pPr marL="7772400" indent="-457200" algn="l" defTabSz="1828800" rtl="0" eaLnBrk="1" latinLnBrk="0" hangingPunct="1">
         <a:lnSpc>
           <a:spcPct val="90000"/>
         </a:lnSpc>
         <a:spcBef>
-          <a:spcPts val="500"/>
+          <a:spcPts val="1000"/>
         </a:spcBef>
         <a:buFont typeface="Arial" panose="020B0604020202020204" pitchFamily="34" charset="0"/>
         <a:buChar char="•"/>
-        <a:defRPr sz="1800" kern="1200">
+        <a:defRPr sz="3600" kern="1200">
           <a:solidFill>
             <a:schemeClr val="tx1"/>
           </a:solidFill>
@@ -3215,8 +2861,8 @@
       <a:defPPr>
         <a:defRPr lang="en-US"/>
       </a:defPPr>
-      <a:lvl1pPr marL="0" algn="l" defTabSz="914400" rtl="0" eaLnBrk="1" latinLnBrk="0" hangingPunct="1">
-        <a:defRPr sz="1800" kern="1200">
+      <a:lvl1pPr marL="0" algn="l" defTabSz="1828800" rtl="0" eaLnBrk="1" latinLnBrk="0" hangingPunct="1">
+        <a:defRPr sz="3600" kern="1200">
           <a:solidFill>
             <a:schemeClr val="tx1"/>
           </a:solidFill>
@@ -3225,8 +2871,8 @@
           <a:cs typeface="+mn-cs"/>
         </a:defRPr>
       </a:lvl1pPr>
-      <a:lvl2pPr marL="457200" algn="l" defTabSz="914400" rtl="0" eaLnBrk="1" latinLnBrk="0" hangingPunct="1">
-        <a:defRPr sz="1800" kern="1200">
+      <a:lvl2pPr marL="914400" algn="l" defTabSz="1828800" rtl="0" eaLnBrk="1" latinLnBrk="0" hangingPunct="1">
+        <a:defRPr sz="3600" kern="1200">
           <a:solidFill>
             <a:schemeClr val="tx1"/>
           </a:solidFill>
@@ -3235,8 +2881,8 @@
           <a:cs typeface="+mn-cs"/>
         </a:defRPr>
       </a:lvl2pPr>
-      <a:lvl3pPr marL="914400" algn="l" defTabSz="914400" rtl="0" eaLnBrk="1" latinLnBrk="0" hangingPunct="1">
-        <a:defRPr sz="1800" kern="1200">
+      <a:lvl3pPr marL="1828800" algn="l" defTabSz="1828800" rtl="0" eaLnBrk="1" latinLnBrk="0" hangingPunct="1">
+        <a:defRPr sz="3600" kern="1200">
           <a:solidFill>
             <a:schemeClr val="tx1"/>
           </a:solidFill>
@@ -3245,8 +2891,8 @@
           <a:cs typeface="+mn-cs"/>
         </a:defRPr>
       </a:lvl3pPr>
-      <a:lvl4pPr marL="1371600" algn="l" defTabSz="914400" rtl="0" eaLnBrk="1" latinLnBrk="0" hangingPunct="1">
-        <a:defRPr sz="1800" kern="1200">
+      <a:lvl4pPr marL="2743200" algn="l" defTabSz="1828800" rtl="0" eaLnBrk="1" latinLnBrk="0" hangingPunct="1">
+        <a:defRPr sz="3600" kern="1200">
           <a:solidFill>
             <a:schemeClr val="tx1"/>
           </a:solidFill>
@@ -3255,8 +2901,8 @@
           <a:cs typeface="+mn-cs"/>
         </a:defRPr>
       </a:lvl4pPr>
-      <a:lvl5pPr marL="1828800" algn="l" defTabSz="914400" rtl="0" eaLnBrk="1" latinLnBrk="0" hangingPunct="1">
-        <a:defRPr sz="1800" kern="1200">
+      <a:lvl5pPr marL="3657600" algn="l" defTabSz="1828800" rtl="0" eaLnBrk="1" latinLnBrk="0" hangingPunct="1">
+        <a:defRPr sz="3600" kern="1200">
           <a:solidFill>
             <a:schemeClr val="tx1"/>
           </a:solidFill>
@@ -3265,8 +2911,8 @@
           <a:cs typeface="+mn-cs"/>
         </a:defRPr>
       </a:lvl5pPr>
-      <a:lvl6pPr marL="2286000" algn="l" defTabSz="914400" rtl="0" eaLnBrk="1" latinLnBrk="0" hangingPunct="1">
-        <a:defRPr sz="1800" kern="1200">
+      <a:lvl6pPr marL="4572000" algn="l" defTabSz="1828800" rtl="0" eaLnBrk="1" latinLnBrk="0" hangingPunct="1">
+        <a:defRPr sz="3600" kern="1200">
           <a:solidFill>
             <a:schemeClr val="tx1"/>
           </a:solidFill>
@@ -3275,8 +2921,8 @@
           <a:cs typeface="+mn-cs"/>
         </a:defRPr>
       </a:lvl6pPr>
-      <a:lvl7pPr marL="2743200" algn="l" defTabSz="914400" rtl="0" eaLnBrk="1" latinLnBrk="0" hangingPunct="1">
-        <a:defRPr sz="1800" kern="1200">
+      <a:lvl7pPr marL="5486400" algn="l" defTabSz="1828800" rtl="0" eaLnBrk="1" latinLnBrk="0" hangingPunct="1">
+        <a:defRPr sz="3600" kern="1200">
           <a:solidFill>
             <a:schemeClr val="tx1"/>
           </a:solidFill>
@@ -3285,8 +2931,8 @@
           <a:cs typeface="+mn-cs"/>
         </a:defRPr>
       </a:lvl7pPr>
-      <a:lvl8pPr marL="3200400" algn="l" defTabSz="914400" rtl="0" eaLnBrk="1" latinLnBrk="0" hangingPunct="1">
-        <a:defRPr sz="1800" kern="1200">
+      <a:lvl8pPr marL="6400800" algn="l" defTabSz="1828800" rtl="0" eaLnBrk="1" latinLnBrk="0" hangingPunct="1">
+        <a:defRPr sz="3600" kern="1200">
           <a:solidFill>
             <a:schemeClr val="tx1"/>
           </a:solidFill>
@@ -3295,8 +2941,8 @@
           <a:cs typeface="+mn-cs"/>
         </a:defRPr>
       </a:lvl8pPr>
-      <a:lvl9pPr marL="3657600" algn="l" defTabSz="914400" rtl="0" eaLnBrk="1" latinLnBrk="0" hangingPunct="1">
-        <a:defRPr sz="1800" kern="1200">
+      <a:lvl9pPr marL="7315200" algn="l" defTabSz="1828800" rtl="0" eaLnBrk="1" latinLnBrk="0" hangingPunct="1">
+        <a:defRPr sz="3600" kern="1200">
           <a:solidFill>
             <a:schemeClr val="tx1"/>
           </a:solidFill>
@@ -3349,8 +2995,8 @@
         </p:nvGrpSpPr>
         <p:grpSpPr>
           <a:xfrm>
-            <a:off x="0" y="0"/>
-            <a:ext cx="12192000" cy="5974818"/>
+            <a:off x="0" y="1"/>
+            <a:ext cx="24384000" cy="11949636"/>
             <a:chOff x="0" y="0"/>
             <a:chExt cx="12192000" cy="5974818"/>
           </a:xfrm>
@@ -3414,14 +3060,14 @@
             <a:noFill/>
           </p:spPr>
           <p:txBody>
-            <a:bodyPr wrap="square" lIns="91440" tIns="45720" rIns="91440" bIns="45720">
+            <a:bodyPr wrap="square" lIns="182880" tIns="91440" rIns="182880" bIns="91440">
               <a:spAutoFit/>
             </a:bodyPr>
             <a:lstStyle/>
             <a:p>
               <a:pPr algn="ctr"/>
               <a:r>
-                <a:rPr lang="en-US" sz="8800" b="1" dirty="0" err="1">
+                <a:rPr lang="en-US" sz="17600" b="1" dirty="0" err="1">
                   <a:ln w="12700" cmpd="sng">
                     <a:solidFill>
                       <a:schemeClr val="accent4"/>
@@ -3451,7 +3097,7 @@
                 </a:rPr>
                 <a:t>SkiaSharp</a:t>
               </a:r>
-              <a:endParaRPr lang="en-US" sz="8800" b="1" dirty="0">
+              <a:endParaRPr lang="en-US" sz="17600" b="1" dirty="0">
                 <a:ln w="12700" cmpd="sng">
                   <a:solidFill>
                     <a:schemeClr val="accent4"/>
@@ -3499,8 +3145,8 @@
         </p:nvSpPr>
         <p:spPr>
           <a:xfrm>
-            <a:off x="827690" y="-260131"/>
-            <a:ext cx="10870324" cy="6408683"/>
+            <a:off x="1655380" y="-520261"/>
+            <a:ext cx="21740648" cy="12817366"/>
           </a:xfrm>
           <a:prstGeom prst="rect">
             <a:avLst/>
@@ -3535,7 +3181,7 @@
           <a:lstStyle/>
           <a:p>
             <a:pPr algn="ctr"/>
-            <a:endParaRPr lang="en-US"/>
+            <a:endParaRPr lang="en-US" sz="7200"/>
           </a:p>
         </p:txBody>
       </p:sp>
@@ -3552,270 +3198,10 @@
 </p:sld>
 </file>
 
-<file path=ppt/slides/slide2.xml><?xml version="1.0" encoding="utf-8"?>
-<p:sld xmlns:a="http://schemas.openxmlformats.org/drawingml/2006/main" xmlns:r="http://schemas.openxmlformats.org/officeDocument/2006/relationships" xmlns:p="http://schemas.openxmlformats.org/presentationml/2006/main">
-  <p:cSld>
-    <p:bg>
-      <p:bgPr>
-        <a:solidFill>
-          <a:srgbClr val="F8F8F8"/>
-        </a:solidFill>
-        <a:effectLst/>
-      </p:bgPr>
-    </p:bg>
-    <p:spTree>
-      <p:nvGrpSpPr>
-        <p:cNvPr id="1" name=""/>
-        <p:cNvGrpSpPr/>
-        <p:nvPr/>
-      </p:nvGrpSpPr>
-      <p:grpSpPr>
-        <a:xfrm>
-          <a:off x="0" y="0"/>
-          <a:ext cx="0" cy="0"/>
-          <a:chOff x="0" y="0"/>
-          <a:chExt cx="0" cy="0"/>
-        </a:xfrm>
-      </p:grpSpPr>
-      <p:pic>
-        <p:nvPicPr>
-          <p:cNvPr id="7" name="Picture 6" descr="A pencil sharpener with a pencil shavings&#10;&#10;Description automatically generated">
-            <a:extLst>
-              <a:ext uri="{FF2B5EF4-FFF2-40B4-BE49-F238E27FC236}">
-                <a16:creationId xmlns:a16="http://schemas.microsoft.com/office/drawing/2014/main" id="{4184A3D4-0312-DFAC-C130-A8381C9377D1}"/>
-              </a:ext>
-            </a:extLst>
-          </p:cNvPr>
-          <p:cNvPicPr>
-            <a:picLocks noChangeAspect="1"/>
-          </p:cNvPicPr>
-          <p:nvPr/>
-        </p:nvPicPr>
-        <p:blipFill>
-          <a:blip r:embed="rId2">
-            <a:extLst>
-              <a:ext uri="{28A0092B-C50C-407E-A947-70E740481C1C}">
-                <a14:useLocalDpi xmlns:a14="http://schemas.microsoft.com/office/drawing/2010/main" val="0"/>
-              </a:ext>
-            </a:extLst>
-          </a:blip>
-          <a:stretch>
-            <a:fillRect/>
-          </a:stretch>
-        </p:blipFill>
-        <p:spPr>
-          <a:xfrm>
-            <a:off x="1856809" y="0"/>
-            <a:ext cx="8478381" cy="4239190"/>
-          </a:xfrm>
-          <a:prstGeom prst="rect">
-            <a:avLst/>
-          </a:prstGeom>
-        </p:spPr>
-      </p:pic>
-      <p:sp>
-        <p:nvSpPr>
-          <p:cNvPr id="8" name="Rectangle 7">
-            <a:extLst>
-              <a:ext uri="{FF2B5EF4-FFF2-40B4-BE49-F238E27FC236}">
-                <a16:creationId xmlns:a16="http://schemas.microsoft.com/office/drawing/2014/main" id="{0665D0F1-B517-DF8A-07D9-D46FD3510B60}"/>
-              </a:ext>
-            </a:extLst>
-          </p:cNvPr>
-          <p:cNvSpPr/>
-          <p:nvPr/>
-        </p:nvSpPr>
-        <p:spPr>
-          <a:xfrm>
-            <a:off x="1106555" y="3607240"/>
-            <a:ext cx="9978887" cy="2800767"/>
-          </a:xfrm>
-          <a:prstGeom prst="rect">
-            <a:avLst/>
-          </a:prstGeom>
-          <a:noFill/>
-        </p:spPr>
-        <p:txBody>
-          <a:bodyPr wrap="square" lIns="91440" tIns="45720" rIns="91440" bIns="45720">
-            <a:spAutoFit/>
-          </a:bodyPr>
-          <a:lstStyle/>
-          <a:p>
-            <a:pPr algn="ctr"/>
-            <a:r>
-              <a:rPr lang="en-US" sz="8800" b="1" dirty="0">
-                <a:ln w="12700" cmpd="sng">
-                  <a:solidFill>
-                    <a:schemeClr val="accent4"/>
-                  </a:solidFill>
-                  <a:prstDash val="solid"/>
-                </a:ln>
-                <a:gradFill>
-                  <a:gsLst>
-                    <a:gs pos="0">
-                      <a:schemeClr val="accent4"/>
-                    </a:gs>
-                    <a:gs pos="4000">
-                      <a:schemeClr val="accent4">
-                        <a:lumMod val="60000"/>
-                        <a:lumOff val="40000"/>
-                      </a:schemeClr>
-                    </a:gs>
-                    <a:gs pos="87000">
-                      <a:schemeClr val="accent4">
-                        <a:lumMod val="20000"/>
-                        <a:lumOff val="80000"/>
-                      </a:schemeClr>
-                    </a:gs>
-                  </a:gsLst>
-                  <a:lin ang="5400000"/>
-                </a:gradFill>
-              </a:rPr>
-              <a:t>Updating the </a:t>
-            </a:r>
-            <a:r>
-              <a:rPr lang="en-US" sz="8800" b="1" dirty="0" err="1">
-                <a:ln w="12700" cmpd="sng">
-                  <a:solidFill>
-                    <a:schemeClr val="accent4"/>
-                  </a:solidFill>
-                  <a:prstDash val="solid"/>
-                </a:ln>
-                <a:gradFill>
-                  <a:gsLst>
-                    <a:gs pos="0">
-                      <a:schemeClr val="accent4"/>
-                    </a:gs>
-                    <a:gs pos="4000">
-                      <a:schemeClr val="accent4">
-                        <a:lumMod val="60000"/>
-                        <a:lumOff val="40000"/>
-                      </a:schemeClr>
-                    </a:gs>
-                    <a:gs pos="87000">
-                      <a:schemeClr val="accent4">
-                        <a:lumMod val="20000"/>
-                        <a:lumOff val="80000"/>
-                      </a:schemeClr>
-                    </a:gs>
-                  </a:gsLst>
-                  <a:lin ang="5400000"/>
-                </a:gradFill>
-              </a:rPr>
-              <a:t>skia</a:t>
-            </a:r>
-            <a:r>
-              <a:rPr lang="en-US" sz="8800" b="1" dirty="0">
-                <a:ln w="12700" cmpd="sng">
-                  <a:solidFill>
-                    <a:schemeClr val="accent4"/>
-                  </a:solidFill>
-                  <a:prstDash val="solid"/>
-                </a:ln>
-                <a:gradFill>
-                  <a:gsLst>
-                    <a:gs pos="0">
-                      <a:schemeClr val="accent4"/>
-                    </a:gs>
-                    <a:gs pos="4000">
-                      <a:schemeClr val="accent4">
-                        <a:lumMod val="60000"/>
-                        <a:lumOff val="40000"/>
-                      </a:schemeClr>
-                    </a:gs>
-                    <a:gs pos="87000">
-                      <a:schemeClr val="accent4">
-                        <a:lumMod val="20000"/>
-                        <a:lumOff val="80000"/>
-                      </a:schemeClr>
-                    </a:gs>
-                  </a:gsLst>
-                  <a:lin ang="5400000"/>
-                </a:gradFill>
-              </a:rPr>
-              <a:t> in </a:t>
-            </a:r>
-            <a:r>
-              <a:rPr lang="en-US" sz="8800" b="1" dirty="0" err="1">
-                <a:ln w="12700" cmpd="sng">
-                  <a:solidFill>
-                    <a:schemeClr val="accent4"/>
-                  </a:solidFill>
-                  <a:prstDash val="solid"/>
-                </a:ln>
-                <a:gradFill>
-                  <a:gsLst>
-                    <a:gs pos="0">
-                      <a:schemeClr val="accent4"/>
-                    </a:gs>
-                    <a:gs pos="4000">
-                      <a:schemeClr val="accent4">
-                        <a:lumMod val="60000"/>
-                        <a:lumOff val="40000"/>
-                      </a:schemeClr>
-                    </a:gs>
-                    <a:gs pos="87000">
-                      <a:schemeClr val="accent4">
-                        <a:lumMod val="20000"/>
-                        <a:lumOff val="80000"/>
-                      </a:schemeClr>
-                    </a:gs>
-                  </a:gsLst>
-                  <a:lin ang="5400000"/>
-                </a:gradFill>
-              </a:rPr>
-              <a:t>SkiaSharp</a:t>
-            </a:r>
-            <a:endParaRPr lang="en-US" sz="8800" b="1" dirty="0">
-              <a:ln w="12700" cmpd="sng">
-                <a:solidFill>
-                  <a:schemeClr val="accent4"/>
-                </a:solidFill>
-                <a:prstDash val="solid"/>
-              </a:ln>
-              <a:gradFill>
-                <a:gsLst>
-                  <a:gs pos="0">
-                    <a:schemeClr val="accent4"/>
-                  </a:gs>
-                  <a:gs pos="4000">
-                    <a:schemeClr val="accent4">
-                      <a:lumMod val="60000"/>
-                      <a:lumOff val="40000"/>
-                    </a:schemeClr>
-                  </a:gs>
-                  <a:gs pos="87000">
-                    <a:schemeClr val="accent4">
-                      <a:lumMod val="20000"/>
-                      <a:lumOff val="80000"/>
-                    </a:schemeClr>
-                  </a:gs>
-                </a:gsLst>
-                <a:lin ang="5400000"/>
-              </a:gradFill>
-              <a:latin typeface="Cascadia Code SemiBold" panose="020B0609020000020004" pitchFamily="49" charset="0"/>
-              <a:cs typeface="Cascadia Code SemiBold" panose="020B0609020000020004" pitchFamily="49" charset="0"/>
-            </a:endParaRPr>
-          </a:p>
-        </p:txBody>
-      </p:sp>
-    </p:spTree>
-    <p:extLst>
-      <p:ext uri="{BB962C8B-B14F-4D97-AF65-F5344CB8AC3E}">
-        <p14:creationId xmlns:p14="http://schemas.microsoft.com/office/powerpoint/2010/main" val="119125918"/>
-      </p:ext>
-    </p:extLst>
-  </p:cSld>
-  <p:clrMapOvr>
-    <a:masterClrMapping/>
-  </p:clrMapOvr>
-</p:sld>
-</file>
-
 <file path=ppt/theme/theme1.xml><?xml version="1.0" encoding="utf-8"?>
 <a:theme xmlns:a="http://schemas.openxmlformats.org/drawingml/2006/main" name="Office Theme">
   <a:themeElements>
-    <a:clrScheme name="Office">
+    <a:clrScheme name="Office Theme">
       <a:dk1>
         <a:sysClr val="windowText" lastClr="000000"/>
       </a:dk1>
@@ -3853,7 +3239,7 @@
         <a:srgbClr val="96607D"/>
       </a:folHlink>
     </a:clrScheme>
-    <a:fontScheme name="Office">
+    <a:fontScheme name="Office Theme">
       <a:majorFont>
         <a:latin typeface="Aptos Display" panose="02110004020202020204"/>
         <a:ea typeface=""/>
@@ -3959,7 +3345,7 @@
         <a:font script="Tfng" typeface="Ebrima"/>
       </a:minorFont>
     </a:fontScheme>
-    <a:fmtScheme name="Office">
+    <a:fmtScheme name="Office Theme">
       <a:fillStyleLst>
         <a:solidFill>
           <a:schemeClr val="phClr"/>
